--- a/Mockup/Mockup.pptx
+++ b/Mockup/Mockup.pptx
@@ -19,6 +19,20 @@
     <p:sldId id="268" r:id="rId13"/>
     <p:sldId id="269" r:id="rId14"/>
     <p:sldId id="267" r:id="rId15"/>
+    <p:sldId id="270" r:id="rId16"/>
+    <p:sldId id="271" r:id="rId17"/>
+    <p:sldId id="272" r:id="rId18"/>
+    <p:sldId id="276" r:id="rId19"/>
+    <p:sldId id="283" r:id="rId20"/>
+    <p:sldId id="275" r:id="rId21"/>
+    <p:sldId id="277" r:id="rId22"/>
+    <p:sldId id="281" r:id="rId23"/>
+    <p:sldId id="274" r:id="rId24"/>
+    <p:sldId id="278" r:id="rId25"/>
+    <p:sldId id="280" r:id="rId26"/>
+    <p:sldId id="273" r:id="rId27"/>
+    <p:sldId id="279" r:id="rId28"/>
+    <p:sldId id="282" r:id="rId29"/>
   </p:sldIdLst>
   <p:sldSz cx="9144000" cy="6858000" type="screen4x3"/>
   <p:notesSz cx="6858000" cy="9144000"/>
@@ -166,7 +180,7 @@
                 <c:formatCode>General</c:formatCode>
                 <c:ptCount val="4"/>
                 <c:pt idx="0">
-                  <c:v>8.1999999999999993</c:v>
+                  <c:v>8.2000000000000011</c:v>
                 </c:pt>
                 <c:pt idx="1">
                   <c:v>3.2</c:v>
@@ -381,24 +395,24 @@
           </c:val>
         </c:ser>
         <c:marker val="1"/>
-        <c:axId val="78739712"/>
-        <c:axId val="87200512"/>
+        <c:axId val="140982528"/>
+        <c:axId val="140988416"/>
       </c:lineChart>
       <c:catAx>
-        <c:axId val="78739712"/>
+        <c:axId val="140982528"/>
         <c:scaling>
           <c:orientation val="minMax"/>
         </c:scaling>
         <c:axPos val="b"/>
         <c:tickLblPos val="nextTo"/>
-        <c:crossAx val="87200512"/>
+        <c:crossAx val="140988416"/>
         <c:crosses val="autoZero"/>
         <c:auto val="1"/>
         <c:lblAlgn val="ctr"/>
         <c:lblOffset val="100"/>
       </c:catAx>
       <c:valAx>
-        <c:axId val="87200512"/>
+        <c:axId val="140988416"/>
         <c:scaling>
           <c:orientation val="minMax"/>
         </c:scaling>
@@ -406,7 +420,7 @@
         <c:majorGridlines/>
         <c:numFmt formatCode="General" sourceLinked="1"/>
         <c:tickLblPos val="nextTo"/>
-        <c:crossAx val="78739712"/>
+        <c:crossAx val="140982528"/>
         <c:crosses val="autoZero"/>
         <c:crossBetween val="between"/>
       </c:valAx>
@@ -613,7 +627,7 @@
             <a:fld id="{1D8BD707-D9CF-40AE-B4C6-C98DA3205C09}" type="datetimeFigureOut">
               <a:rPr lang="en-US" smtClean="0"/>
               <a:pPr/>
-              <a:t>11/26/2016</a:t>
+              <a:t>11/27/2016</a:t>
             </a:fld>
             <a:endParaRPr lang="en-US"/>
           </a:p>
@@ -780,7 +794,7 @@
             <a:fld id="{1D8BD707-D9CF-40AE-B4C6-C98DA3205C09}" type="datetimeFigureOut">
               <a:rPr lang="en-US" smtClean="0"/>
               <a:pPr/>
-              <a:t>11/26/2016</a:t>
+              <a:t>11/27/2016</a:t>
             </a:fld>
             <a:endParaRPr lang="en-US"/>
           </a:p>
@@ -957,7 +971,7 @@
             <a:fld id="{1D8BD707-D9CF-40AE-B4C6-C98DA3205C09}" type="datetimeFigureOut">
               <a:rPr lang="en-US" smtClean="0"/>
               <a:pPr/>
-              <a:t>11/26/2016</a:t>
+              <a:t>11/27/2016</a:t>
             </a:fld>
             <a:endParaRPr lang="en-US"/>
           </a:p>
@@ -1124,7 +1138,7 @@
             <a:fld id="{1D8BD707-D9CF-40AE-B4C6-C98DA3205C09}" type="datetimeFigureOut">
               <a:rPr lang="en-US" smtClean="0"/>
               <a:pPr/>
-              <a:t>11/26/2016</a:t>
+              <a:t>11/27/2016</a:t>
             </a:fld>
             <a:endParaRPr lang="en-US"/>
           </a:p>
@@ -1367,7 +1381,7 @@
             <a:fld id="{1D8BD707-D9CF-40AE-B4C6-C98DA3205C09}" type="datetimeFigureOut">
               <a:rPr lang="en-US" smtClean="0"/>
               <a:pPr/>
-              <a:t>11/26/2016</a:t>
+              <a:t>11/27/2016</a:t>
             </a:fld>
             <a:endParaRPr lang="en-US"/>
           </a:p>
@@ -1652,7 +1666,7 @@
             <a:fld id="{1D8BD707-D9CF-40AE-B4C6-C98DA3205C09}" type="datetimeFigureOut">
               <a:rPr lang="en-US" smtClean="0"/>
               <a:pPr/>
-              <a:t>11/26/2016</a:t>
+              <a:t>11/27/2016</a:t>
             </a:fld>
             <a:endParaRPr lang="en-US"/>
           </a:p>
@@ -2071,7 +2085,7 @@
             <a:fld id="{1D8BD707-D9CF-40AE-B4C6-C98DA3205C09}" type="datetimeFigureOut">
               <a:rPr lang="en-US" smtClean="0"/>
               <a:pPr/>
-              <a:t>11/26/2016</a:t>
+              <a:t>11/27/2016</a:t>
             </a:fld>
             <a:endParaRPr lang="en-US"/>
           </a:p>
@@ -2186,7 +2200,7 @@
             <a:fld id="{1D8BD707-D9CF-40AE-B4C6-C98DA3205C09}" type="datetimeFigureOut">
               <a:rPr lang="en-US" smtClean="0"/>
               <a:pPr/>
-              <a:t>11/26/2016</a:t>
+              <a:t>11/27/2016</a:t>
             </a:fld>
             <a:endParaRPr lang="en-US"/>
           </a:p>
@@ -2278,7 +2292,7 @@
             <a:fld id="{1D8BD707-D9CF-40AE-B4C6-C98DA3205C09}" type="datetimeFigureOut">
               <a:rPr lang="en-US" smtClean="0"/>
               <a:pPr/>
-              <a:t>11/26/2016</a:t>
+              <a:t>11/27/2016</a:t>
             </a:fld>
             <a:endParaRPr lang="en-US"/>
           </a:p>
@@ -2552,7 +2566,7 @@
             <a:fld id="{1D8BD707-D9CF-40AE-B4C6-C98DA3205C09}" type="datetimeFigureOut">
               <a:rPr lang="en-US" smtClean="0"/>
               <a:pPr/>
-              <a:t>11/26/2016</a:t>
+              <a:t>11/27/2016</a:t>
             </a:fld>
             <a:endParaRPr lang="en-US"/>
           </a:p>
@@ -2802,7 +2816,7 @@
             <a:fld id="{1D8BD707-D9CF-40AE-B4C6-C98DA3205C09}" type="datetimeFigureOut">
               <a:rPr lang="en-US" smtClean="0"/>
               <a:pPr/>
-              <a:t>11/26/2016</a:t>
+              <a:t>11/27/2016</a:t>
             </a:fld>
             <a:endParaRPr lang="en-US"/>
           </a:p>
@@ -3021,7 +3035,7 @@
             <a:fld id="{1D8BD707-D9CF-40AE-B4C6-C98DA3205C09}" type="datetimeFigureOut">
               <a:rPr lang="en-US" smtClean="0"/>
               <a:pPr/>
-              <a:t>11/26/2016</a:t>
+              <a:t>11/27/2016</a:t>
             </a:fld>
             <a:endParaRPr lang="en-US"/>
           </a:p>
@@ -3939,7 +3953,7 @@
           <a:blip r:embed="rId2" cstate="print">
             <a:extLst>
               <a:ext uri="{28A0092B-C50C-407E-A947-70E740481C1C}">
-                <a14:useLocalDpi xmlns="" xmlns:wpc="http://schemas.microsoft.com/office/word/2010/wordprocessingCanvas" xmlns:mc="http://schemas.openxmlformats.org/markup-compatibility/2006" xmlns:o="urn:schemas-microsoft-com:office:office" xmlns:m="http://schemas.openxmlformats.org/officeDocument/2006/math" xmlns:v="urn:schemas-microsoft-com:vml" xmlns:wp14="http://schemas.microsoft.com/office/word/2010/wordprocessingDrawing" xmlns:wp="http://schemas.openxmlformats.org/drawingml/2006/wordprocessingDrawing" xmlns:w10="urn:schemas-microsoft-com:office:word" xmlns:w="http://schemas.openxmlformats.org/wordprocessingml/2006/main" xmlns:w14="http://schemas.microsoft.com/office/word/2010/wordml" xmlns:w15="http://schemas.microsoft.com/office/word/2012/wordml" xmlns:wpg="http://schemas.microsoft.com/office/word/2010/wordprocessingGroup" xmlns:wpi="http://schemas.microsoft.com/office/word/2010/wordprocessingInk" xmlns:wne="http://schemas.microsoft.com/office/word/2006/wordml" xmlns:wps="http://schemas.microsoft.com/office/word/2010/wordprocessingShape" xmlns:a14="http://schemas.microsoft.com/office/drawing/2010/main" xmlns:pic="http://schemas.openxmlformats.org/drawingml/2006/picture" xmlns:lc="http://schemas.openxmlformats.org/drawingml/2006/lockedCanvas" val="0"/>
+                <a14:useLocalDpi xmlns:lc="http://schemas.openxmlformats.org/drawingml/2006/lockedCanvas" xmlns:pic="http://schemas.openxmlformats.org/drawingml/2006/picture" xmlns:a14="http://schemas.microsoft.com/office/drawing/2010/main" xmlns:wps="http://schemas.microsoft.com/office/word/2010/wordprocessingShape" xmlns:wne="http://schemas.microsoft.com/office/word/2006/wordml" xmlns:wpi="http://schemas.microsoft.com/office/word/2010/wordprocessingInk" xmlns:wpg="http://schemas.microsoft.com/office/word/2010/wordprocessingGroup" xmlns:w15="http://schemas.microsoft.com/office/word/2012/wordml" xmlns:w14="http://schemas.microsoft.com/office/word/2010/wordml" xmlns:w="http://schemas.openxmlformats.org/wordprocessingml/2006/main" xmlns:w10="urn:schemas-microsoft-com:office:word" xmlns:wp="http://schemas.openxmlformats.org/drawingml/2006/wordprocessingDrawing" xmlns:wp14="http://schemas.microsoft.com/office/word/2010/wordprocessingDrawing" xmlns:v="urn:schemas-microsoft-com:vml" xmlns:m="http://schemas.openxmlformats.org/officeDocument/2006/math" xmlns:o="urn:schemas-microsoft-com:office:office" xmlns:mc="http://schemas.openxmlformats.org/markup-compatibility/2006" xmlns:wpc="http://schemas.microsoft.com/office/word/2010/wordprocessingCanvas" xmlns="" val="0"/>
               </a:ext>
             </a:extLst>
           </a:blip>
@@ -4740,6 +4754,1804 @@
 </p:sld>
 </file>
 
+<file path=ppt/slides/slide15.xml><?xml version="1.0" encoding="utf-8"?>
+<p:sld xmlns:a="http://schemas.openxmlformats.org/drawingml/2006/main" xmlns:r="http://schemas.openxmlformats.org/officeDocument/2006/relationships" xmlns:p="http://schemas.openxmlformats.org/presentationml/2006/main">
+  <p:cSld>
+    <p:spTree>
+      <p:nvGrpSpPr>
+        <p:cNvPr id="1" name=""/>
+        <p:cNvGrpSpPr/>
+        <p:nvPr/>
+      </p:nvGrpSpPr>
+      <p:grpSpPr>
+        <a:xfrm>
+          <a:off x="0" y="0"/>
+          <a:ext cx="0" cy="0"/>
+          <a:chOff x="0" y="0"/>
+          <a:chExt cx="0" cy="0"/>
+        </a:xfrm>
+      </p:grpSpPr>
+      <p:pic>
+        <p:nvPicPr>
+          <p:cNvPr id="4" name="Picture 3" descr="1a.png"/>
+          <p:cNvPicPr>
+            <a:picLocks noChangeAspect="1"/>
+          </p:cNvPicPr>
+          <p:nvPr/>
+        </p:nvPicPr>
+        <p:blipFill>
+          <a:blip r:embed="rId2" cstate="print"/>
+          <a:stretch>
+            <a:fillRect/>
+          </a:stretch>
+        </p:blipFill>
+        <p:spPr>
+          <a:xfrm>
+            <a:off x="2438400" y="0"/>
+            <a:ext cx="4762500" cy="2743200"/>
+          </a:xfrm>
+          <a:prstGeom prst="rect">
+            <a:avLst/>
+          </a:prstGeom>
+        </p:spPr>
+      </p:pic>
+      <p:sp>
+        <p:nvSpPr>
+          <p:cNvPr id="5" name="Rounded Rectangle 4"/>
+          <p:cNvSpPr/>
+          <p:nvPr/>
+        </p:nvSpPr>
+        <p:spPr>
+          <a:xfrm>
+            <a:off x="4648200" y="3505200"/>
+            <a:ext cx="4038600" cy="609600"/>
+          </a:xfrm>
+          <a:prstGeom prst="roundRect">
+            <a:avLst/>
+          </a:prstGeom>
+        </p:spPr>
+        <p:style>
+          <a:lnRef idx="2">
+            <a:schemeClr val="accent6">
+              <a:shade val="50000"/>
+            </a:schemeClr>
+          </a:lnRef>
+          <a:fillRef idx="1">
+            <a:schemeClr val="accent6"/>
+          </a:fillRef>
+          <a:effectRef idx="0">
+            <a:schemeClr val="accent6"/>
+          </a:effectRef>
+          <a:fontRef idx="minor">
+            <a:schemeClr val="lt1"/>
+          </a:fontRef>
+        </p:style>
+        <p:txBody>
+          <a:bodyPr rtlCol="1" anchor="ctr"/>
+          <a:lstStyle/>
+          <a:p>
+            <a:pPr algn="ctr"/>
+            <a:r>
+              <a:rPr lang="he-IL" sz="2800" b="1" dirty="0" smtClean="0"/>
+              <a:t>הוספת תוכן</a:t>
+            </a:r>
+            <a:endParaRPr lang="he-IL" sz="2800" b="1" dirty="0"/>
+          </a:p>
+        </p:txBody>
+      </p:sp>
+      <p:sp>
+        <p:nvSpPr>
+          <p:cNvPr id="7" name="Rounded Rectangle 6"/>
+          <p:cNvSpPr/>
+          <p:nvPr/>
+        </p:nvSpPr>
+        <p:spPr>
+          <a:xfrm>
+            <a:off x="533400" y="4724400"/>
+            <a:ext cx="4038600" cy="609600"/>
+          </a:xfrm>
+          <a:prstGeom prst="roundRect">
+            <a:avLst/>
+          </a:prstGeom>
+        </p:spPr>
+        <p:style>
+          <a:lnRef idx="2">
+            <a:schemeClr val="accent6">
+              <a:shade val="50000"/>
+            </a:schemeClr>
+          </a:lnRef>
+          <a:fillRef idx="1">
+            <a:schemeClr val="accent6"/>
+          </a:fillRef>
+          <a:effectRef idx="0">
+            <a:schemeClr val="accent6"/>
+          </a:effectRef>
+          <a:fontRef idx="minor">
+            <a:schemeClr val="lt1"/>
+          </a:fontRef>
+        </p:style>
+        <p:txBody>
+          <a:bodyPr rtlCol="1" anchor="ctr"/>
+          <a:lstStyle/>
+          <a:p>
+            <a:pPr algn="ctr"/>
+            <a:r>
+              <a:rPr lang="he-IL" sz="2800" b="1" dirty="0" smtClean="0"/>
+              <a:t>רשימת תלמידים</a:t>
+            </a:r>
+            <a:endParaRPr lang="he-IL" sz="2800" b="1" dirty="0"/>
+          </a:p>
+        </p:txBody>
+      </p:sp>
+      <p:sp>
+        <p:nvSpPr>
+          <p:cNvPr id="8" name="Rounded Rectangle 7"/>
+          <p:cNvSpPr/>
+          <p:nvPr/>
+        </p:nvSpPr>
+        <p:spPr>
+          <a:xfrm>
+            <a:off x="533400" y="4114800"/>
+            <a:ext cx="4038600" cy="609600"/>
+          </a:xfrm>
+          <a:prstGeom prst="roundRect">
+            <a:avLst/>
+          </a:prstGeom>
+        </p:spPr>
+        <p:style>
+          <a:lnRef idx="2">
+            <a:schemeClr val="accent6">
+              <a:shade val="50000"/>
+            </a:schemeClr>
+          </a:lnRef>
+          <a:fillRef idx="1">
+            <a:schemeClr val="accent6"/>
+          </a:fillRef>
+          <a:effectRef idx="0">
+            <a:schemeClr val="accent6"/>
+          </a:effectRef>
+          <a:fontRef idx="minor">
+            <a:schemeClr val="lt1"/>
+          </a:fontRef>
+        </p:style>
+        <p:txBody>
+          <a:bodyPr rtlCol="1" anchor="ctr"/>
+          <a:lstStyle/>
+          <a:p>
+            <a:pPr algn="ctr"/>
+            <a:r>
+              <a:rPr lang="he-IL" sz="2800" b="1" dirty="0" smtClean="0"/>
+              <a:t>רשימת מורים</a:t>
+            </a:r>
+            <a:endParaRPr lang="he-IL" sz="2800" b="1" dirty="0"/>
+          </a:p>
+        </p:txBody>
+      </p:sp>
+      <p:sp>
+        <p:nvSpPr>
+          <p:cNvPr id="9" name="Rounded Rectangle 8"/>
+          <p:cNvSpPr/>
+          <p:nvPr/>
+        </p:nvSpPr>
+        <p:spPr>
+          <a:xfrm>
+            <a:off x="533400" y="3505200"/>
+            <a:ext cx="4038600" cy="609600"/>
+          </a:xfrm>
+          <a:prstGeom prst="roundRect">
+            <a:avLst/>
+          </a:prstGeom>
+        </p:spPr>
+        <p:style>
+          <a:lnRef idx="2">
+            <a:schemeClr val="accent6">
+              <a:shade val="50000"/>
+            </a:schemeClr>
+          </a:lnRef>
+          <a:fillRef idx="1">
+            <a:schemeClr val="accent6"/>
+          </a:fillRef>
+          <a:effectRef idx="0">
+            <a:schemeClr val="accent6"/>
+          </a:effectRef>
+          <a:fontRef idx="minor">
+            <a:schemeClr val="lt1"/>
+          </a:fontRef>
+        </p:style>
+        <p:txBody>
+          <a:bodyPr rtlCol="1" anchor="ctr"/>
+          <a:lstStyle/>
+          <a:p>
+            <a:pPr algn="ctr"/>
+            <a:r>
+              <a:rPr lang="he-IL" sz="2800" b="1" dirty="0" smtClean="0"/>
+              <a:t>רשימת כיתות</a:t>
+            </a:r>
+            <a:endParaRPr lang="he-IL" sz="2800" b="1" dirty="0"/>
+          </a:p>
+        </p:txBody>
+      </p:sp>
+      <p:sp>
+        <p:nvSpPr>
+          <p:cNvPr id="10" name="TextBox 9"/>
+          <p:cNvSpPr txBox="1"/>
+          <p:nvPr/>
+        </p:nvSpPr>
+        <p:spPr>
+          <a:xfrm>
+            <a:off x="3048000" y="2514600"/>
+            <a:ext cx="5715000" cy="461665"/>
+          </a:xfrm>
+          <a:prstGeom prst="rect">
+            <a:avLst/>
+          </a:prstGeom>
+          <a:noFill/>
+        </p:spPr>
+        <p:txBody>
+          <a:bodyPr wrap="square" rtlCol="1">
+            <a:spAutoFit/>
+          </a:bodyPr>
+          <a:lstStyle/>
+          <a:p>
+            <a:pPr algn="r"/>
+            <a:r>
+              <a:rPr lang="he-IL" sz="2400" b="1" dirty="0" smtClean="0"/>
+              <a:t>ברוך הבא &lt;שם משתמש</a:t>
+            </a:r>
+            <a:r>
+              <a:rPr lang="he-IL" sz="2400" b="1" dirty="0" smtClean="0"/>
+              <a:t>&gt;</a:t>
+            </a:r>
+            <a:endParaRPr lang="en-US" sz="2400" b="1" dirty="0" smtClean="0"/>
+          </a:p>
+        </p:txBody>
+      </p:sp>
+      <p:sp>
+        <p:nvSpPr>
+          <p:cNvPr id="11" name="Rounded Rectangle 10"/>
+          <p:cNvSpPr/>
+          <p:nvPr/>
+        </p:nvSpPr>
+        <p:spPr>
+          <a:xfrm>
+            <a:off x="152400" y="152400"/>
+            <a:ext cx="1371600" cy="457200"/>
+          </a:xfrm>
+          <a:prstGeom prst="roundRect">
+            <a:avLst/>
+          </a:prstGeom>
+        </p:spPr>
+        <p:style>
+          <a:lnRef idx="0">
+            <a:schemeClr val="accent2"/>
+          </a:lnRef>
+          <a:fillRef idx="3">
+            <a:schemeClr val="accent2"/>
+          </a:fillRef>
+          <a:effectRef idx="3">
+            <a:schemeClr val="accent2"/>
+          </a:effectRef>
+          <a:fontRef idx="minor">
+            <a:schemeClr val="lt1"/>
+          </a:fontRef>
+        </p:style>
+        <p:txBody>
+          <a:bodyPr rtlCol="1" anchor="ctr"/>
+          <a:lstStyle/>
+          <a:p>
+            <a:pPr algn="ctr"/>
+            <a:r>
+              <a:rPr lang="he-IL" sz="2000" b="1" dirty="0" smtClean="0"/>
+              <a:t>התנתק</a:t>
+            </a:r>
+            <a:endParaRPr lang="he-IL" sz="2000" b="1" dirty="0"/>
+          </a:p>
+        </p:txBody>
+      </p:sp>
+      <p:sp>
+        <p:nvSpPr>
+          <p:cNvPr id="13" name="Rounded Rectangle 12"/>
+          <p:cNvSpPr/>
+          <p:nvPr/>
+        </p:nvSpPr>
+        <p:spPr>
+          <a:xfrm>
+            <a:off x="4648200" y="4114800"/>
+            <a:ext cx="4038600" cy="609600"/>
+          </a:xfrm>
+          <a:prstGeom prst="roundRect">
+            <a:avLst/>
+          </a:prstGeom>
+        </p:spPr>
+        <p:style>
+          <a:lnRef idx="2">
+            <a:schemeClr val="accent6">
+              <a:shade val="50000"/>
+            </a:schemeClr>
+          </a:lnRef>
+          <a:fillRef idx="1">
+            <a:schemeClr val="accent6"/>
+          </a:fillRef>
+          <a:effectRef idx="0">
+            <a:schemeClr val="accent6"/>
+          </a:effectRef>
+          <a:fontRef idx="minor">
+            <a:schemeClr val="lt1"/>
+          </a:fontRef>
+        </p:style>
+        <p:txBody>
+          <a:bodyPr rtlCol="1" anchor="ctr"/>
+          <a:lstStyle/>
+          <a:p>
+            <a:pPr algn="ctr"/>
+            <a:r>
+              <a:rPr lang="he-IL" sz="2800" b="1" dirty="0" smtClean="0"/>
+              <a:t>הוספת משתמשים / כיתות</a:t>
+            </a:r>
+            <a:endParaRPr lang="he-IL" sz="2800" b="1" dirty="0"/>
+          </a:p>
+        </p:txBody>
+      </p:sp>
+      <p:sp>
+        <p:nvSpPr>
+          <p:cNvPr id="14" name="Rounded Rectangle 13"/>
+          <p:cNvSpPr/>
+          <p:nvPr/>
+        </p:nvSpPr>
+        <p:spPr>
+          <a:xfrm>
+            <a:off x="4648200" y="4724400"/>
+            <a:ext cx="4038600" cy="609600"/>
+          </a:xfrm>
+          <a:prstGeom prst="roundRect">
+            <a:avLst/>
+          </a:prstGeom>
+        </p:spPr>
+        <p:style>
+          <a:lnRef idx="2">
+            <a:schemeClr val="accent6">
+              <a:shade val="50000"/>
+            </a:schemeClr>
+          </a:lnRef>
+          <a:fillRef idx="1">
+            <a:schemeClr val="accent6"/>
+          </a:fillRef>
+          <a:effectRef idx="0">
+            <a:schemeClr val="accent6"/>
+          </a:effectRef>
+          <a:fontRef idx="minor">
+            <a:schemeClr val="lt1"/>
+          </a:fontRef>
+        </p:style>
+        <p:txBody>
+          <a:bodyPr rtlCol="1" anchor="ctr"/>
+          <a:lstStyle/>
+          <a:p>
+            <a:pPr algn="ctr"/>
+            <a:r>
+              <a:rPr lang="he-IL" sz="2800" b="1" dirty="0" smtClean="0"/>
+              <a:t>בדיקת שאלות</a:t>
+            </a:r>
+            <a:endParaRPr lang="he-IL" sz="2800" b="1" dirty="0"/>
+          </a:p>
+        </p:txBody>
+      </p:sp>
+    </p:spTree>
+  </p:cSld>
+  <p:clrMapOvr>
+    <a:masterClrMapping/>
+  </p:clrMapOvr>
+</p:sld>
+</file>
+
+<file path=ppt/slides/slide16.xml><?xml version="1.0" encoding="utf-8"?>
+<p:sld xmlns:a="http://schemas.openxmlformats.org/drawingml/2006/main" xmlns:r="http://schemas.openxmlformats.org/officeDocument/2006/relationships" xmlns:p="http://schemas.openxmlformats.org/presentationml/2006/main">
+  <p:cSld>
+    <p:spTree>
+      <p:nvGrpSpPr>
+        <p:cNvPr id="1" name=""/>
+        <p:cNvGrpSpPr/>
+        <p:nvPr/>
+      </p:nvGrpSpPr>
+      <p:grpSpPr>
+        <a:xfrm>
+          <a:off x="0" y="0"/>
+          <a:ext cx="0" cy="0"/>
+          <a:chOff x="0" y="0"/>
+          <a:chExt cx="0" cy="0"/>
+        </a:xfrm>
+      </p:grpSpPr>
+      <p:pic>
+        <p:nvPicPr>
+          <p:cNvPr id="4" name="Picture 3" descr="1a.png"/>
+          <p:cNvPicPr>
+            <a:picLocks noChangeAspect="1"/>
+          </p:cNvPicPr>
+          <p:nvPr/>
+        </p:nvPicPr>
+        <p:blipFill>
+          <a:blip r:embed="rId2" cstate="print"/>
+          <a:stretch>
+            <a:fillRect/>
+          </a:stretch>
+        </p:blipFill>
+        <p:spPr>
+          <a:xfrm>
+            <a:off x="2438400" y="0"/>
+            <a:ext cx="4762500" cy="2743200"/>
+          </a:xfrm>
+          <a:prstGeom prst="rect">
+            <a:avLst/>
+          </a:prstGeom>
+        </p:spPr>
+      </p:pic>
+      <p:sp>
+        <p:nvSpPr>
+          <p:cNvPr id="5" name="Rounded Rectangle 4"/>
+          <p:cNvSpPr/>
+          <p:nvPr/>
+        </p:nvSpPr>
+        <p:spPr>
+          <a:xfrm>
+            <a:off x="3124200" y="2362200"/>
+            <a:ext cx="2895600" cy="609600"/>
+          </a:xfrm>
+          <a:prstGeom prst="roundRect">
+            <a:avLst/>
+          </a:prstGeom>
+        </p:spPr>
+        <p:style>
+          <a:lnRef idx="3">
+            <a:schemeClr val="lt1"/>
+          </a:lnRef>
+          <a:fillRef idx="1">
+            <a:schemeClr val="accent3"/>
+          </a:fillRef>
+          <a:effectRef idx="1">
+            <a:schemeClr val="accent3"/>
+          </a:effectRef>
+          <a:fontRef idx="minor">
+            <a:schemeClr val="lt1"/>
+          </a:fontRef>
+        </p:style>
+        <p:txBody>
+          <a:bodyPr rtlCol="1" anchor="ctr"/>
+          <a:lstStyle/>
+          <a:p>
+            <a:pPr algn="ctr"/>
+            <a:r>
+              <a:rPr lang="he-IL" sz="2800" b="1" dirty="0" smtClean="0"/>
+              <a:t>הוספת תוכן</a:t>
+            </a:r>
+            <a:endParaRPr lang="he-IL" sz="2800" b="1" dirty="0"/>
+          </a:p>
+        </p:txBody>
+      </p:sp>
+      <p:sp>
+        <p:nvSpPr>
+          <p:cNvPr id="11" name="Rounded Rectangle 10"/>
+          <p:cNvSpPr/>
+          <p:nvPr/>
+        </p:nvSpPr>
+        <p:spPr>
+          <a:xfrm>
+            <a:off x="152400" y="152400"/>
+            <a:ext cx="1371600" cy="457200"/>
+          </a:xfrm>
+          <a:prstGeom prst="roundRect">
+            <a:avLst/>
+          </a:prstGeom>
+        </p:spPr>
+        <p:style>
+          <a:lnRef idx="0">
+            <a:schemeClr val="accent2"/>
+          </a:lnRef>
+          <a:fillRef idx="3">
+            <a:schemeClr val="accent2"/>
+          </a:fillRef>
+          <a:effectRef idx="3">
+            <a:schemeClr val="accent2"/>
+          </a:effectRef>
+          <a:fontRef idx="minor">
+            <a:schemeClr val="lt1"/>
+          </a:fontRef>
+        </p:style>
+        <p:txBody>
+          <a:bodyPr rtlCol="1" anchor="ctr"/>
+          <a:lstStyle/>
+          <a:p>
+            <a:pPr algn="ctr"/>
+            <a:r>
+              <a:rPr lang="he-IL" sz="2000" b="1" dirty="0" smtClean="0"/>
+              <a:t>התנתק</a:t>
+            </a:r>
+            <a:endParaRPr lang="he-IL" sz="2000" b="1" dirty="0"/>
+          </a:p>
+        </p:txBody>
+      </p:sp>
+      <p:sp>
+        <p:nvSpPr>
+          <p:cNvPr id="12" name="Right Arrow 11"/>
+          <p:cNvSpPr/>
+          <p:nvPr/>
+        </p:nvSpPr>
+        <p:spPr>
+          <a:xfrm>
+            <a:off x="7924800" y="381000"/>
+            <a:ext cx="1143000" cy="762000"/>
+          </a:xfrm>
+          <a:prstGeom prst="rightArrow">
+            <a:avLst/>
+          </a:prstGeom>
+        </p:spPr>
+        <p:style>
+          <a:lnRef idx="0">
+            <a:schemeClr val="accent2"/>
+          </a:lnRef>
+          <a:fillRef idx="3">
+            <a:schemeClr val="accent2"/>
+          </a:fillRef>
+          <a:effectRef idx="3">
+            <a:schemeClr val="accent2"/>
+          </a:effectRef>
+          <a:fontRef idx="minor">
+            <a:schemeClr val="lt1"/>
+          </a:fontRef>
+        </p:style>
+        <p:txBody>
+          <a:bodyPr rtlCol="1" anchor="ctr"/>
+          <a:lstStyle/>
+          <a:p>
+            <a:pPr algn="ctr"/>
+            <a:r>
+              <a:rPr lang="he-IL" b="1" dirty="0" smtClean="0"/>
+              <a:t>חזור</a:t>
+            </a:r>
+            <a:endParaRPr lang="he-IL" b="1" dirty="0"/>
+          </a:p>
+        </p:txBody>
+      </p:sp>
+      <p:sp>
+        <p:nvSpPr>
+          <p:cNvPr id="15" name="Rounded Rectangle 14"/>
+          <p:cNvSpPr/>
+          <p:nvPr/>
+        </p:nvSpPr>
+        <p:spPr>
+          <a:xfrm>
+            <a:off x="2895600" y="3352800"/>
+            <a:ext cx="3352800" cy="609600"/>
+          </a:xfrm>
+          <a:prstGeom prst="roundRect">
+            <a:avLst/>
+          </a:prstGeom>
+        </p:spPr>
+        <p:style>
+          <a:lnRef idx="2">
+            <a:schemeClr val="accent6">
+              <a:shade val="50000"/>
+            </a:schemeClr>
+          </a:lnRef>
+          <a:fillRef idx="1">
+            <a:schemeClr val="accent6"/>
+          </a:fillRef>
+          <a:effectRef idx="0">
+            <a:schemeClr val="accent6"/>
+          </a:effectRef>
+          <a:fontRef idx="minor">
+            <a:schemeClr val="lt1"/>
+          </a:fontRef>
+        </p:style>
+        <p:txBody>
+          <a:bodyPr rtlCol="1" anchor="ctr"/>
+          <a:lstStyle/>
+          <a:p>
+            <a:pPr algn="ctr"/>
+            <a:r>
+              <a:rPr lang="he-IL" sz="2800" b="1" dirty="0" smtClean="0"/>
+              <a:t>הוספת סיפור</a:t>
+            </a:r>
+            <a:endParaRPr lang="he-IL" sz="2800" b="1" dirty="0"/>
+          </a:p>
+        </p:txBody>
+      </p:sp>
+      <p:sp>
+        <p:nvSpPr>
+          <p:cNvPr id="19" name="Rounded Rectangle 18"/>
+          <p:cNvSpPr/>
+          <p:nvPr/>
+        </p:nvSpPr>
+        <p:spPr>
+          <a:xfrm>
+            <a:off x="2895600" y="3962400"/>
+            <a:ext cx="3352800" cy="609600"/>
+          </a:xfrm>
+          <a:prstGeom prst="roundRect">
+            <a:avLst/>
+          </a:prstGeom>
+        </p:spPr>
+        <p:style>
+          <a:lnRef idx="2">
+            <a:schemeClr val="accent6">
+              <a:shade val="50000"/>
+            </a:schemeClr>
+          </a:lnRef>
+          <a:fillRef idx="1">
+            <a:schemeClr val="accent6"/>
+          </a:fillRef>
+          <a:effectRef idx="0">
+            <a:schemeClr val="accent6"/>
+          </a:effectRef>
+          <a:fontRef idx="minor">
+            <a:schemeClr val="lt1"/>
+          </a:fontRef>
+        </p:style>
+        <p:txBody>
+          <a:bodyPr rtlCol="1" anchor="ctr"/>
+          <a:lstStyle/>
+          <a:p>
+            <a:pPr algn="ctr"/>
+            <a:r>
+              <a:rPr lang="he-IL" sz="2800" b="1" dirty="0" smtClean="0"/>
+              <a:t>הוספת קובץ שמע</a:t>
+            </a:r>
+            <a:endParaRPr lang="he-IL" sz="2800" b="1" dirty="0"/>
+          </a:p>
+        </p:txBody>
+      </p:sp>
+      <p:sp>
+        <p:nvSpPr>
+          <p:cNvPr id="20" name="Rounded Rectangle 19"/>
+          <p:cNvSpPr/>
+          <p:nvPr/>
+        </p:nvSpPr>
+        <p:spPr>
+          <a:xfrm>
+            <a:off x="2895600" y="4572000"/>
+            <a:ext cx="3352800" cy="609600"/>
+          </a:xfrm>
+          <a:prstGeom prst="roundRect">
+            <a:avLst/>
+          </a:prstGeom>
+        </p:spPr>
+        <p:style>
+          <a:lnRef idx="2">
+            <a:schemeClr val="accent6">
+              <a:shade val="50000"/>
+            </a:schemeClr>
+          </a:lnRef>
+          <a:fillRef idx="1">
+            <a:schemeClr val="accent6"/>
+          </a:fillRef>
+          <a:effectRef idx="0">
+            <a:schemeClr val="accent6"/>
+          </a:effectRef>
+          <a:fontRef idx="minor">
+            <a:schemeClr val="lt1"/>
+          </a:fontRef>
+        </p:style>
+        <p:txBody>
+          <a:bodyPr rtlCol="1" anchor="ctr"/>
+          <a:lstStyle/>
+          <a:p>
+            <a:pPr algn="ctr"/>
+            <a:r>
+              <a:rPr lang="he-IL" sz="2800" b="1" dirty="0" smtClean="0"/>
+              <a:t>הוספת שאלות</a:t>
+            </a:r>
+            <a:endParaRPr lang="he-IL" sz="2800" b="1" dirty="0"/>
+          </a:p>
+        </p:txBody>
+      </p:sp>
+      <p:sp>
+        <p:nvSpPr>
+          <p:cNvPr id="21" name="Rounded Rectangle 20"/>
+          <p:cNvSpPr/>
+          <p:nvPr/>
+        </p:nvSpPr>
+        <p:spPr>
+          <a:xfrm>
+            <a:off x="2895600" y="5181600"/>
+            <a:ext cx="3352800" cy="609600"/>
+          </a:xfrm>
+          <a:prstGeom prst="roundRect">
+            <a:avLst/>
+          </a:prstGeom>
+        </p:spPr>
+        <p:style>
+          <a:lnRef idx="2">
+            <a:schemeClr val="accent6">
+              <a:shade val="50000"/>
+            </a:schemeClr>
+          </a:lnRef>
+          <a:fillRef idx="1">
+            <a:schemeClr val="accent6"/>
+          </a:fillRef>
+          <a:effectRef idx="0">
+            <a:schemeClr val="accent6"/>
+          </a:effectRef>
+          <a:fontRef idx="minor">
+            <a:schemeClr val="lt1"/>
+          </a:fontRef>
+        </p:style>
+        <p:txBody>
+          <a:bodyPr rtlCol="1" anchor="ctr"/>
+          <a:lstStyle/>
+          <a:p>
+            <a:pPr algn="ctr"/>
+            <a:r>
+              <a:rPr lang="he-IL" sz="2800" b="1" dirty="0" smtClean="0"/>
+              <a:t>עריכת שאלות</a:t>
+            </a:r>
+            <a:endParaRPr lang="he-IL" sz="2800" b="1" dirty="0"/>
+          </a:p>
+        </p:txBody>
+      </p:sp>
+      <p:sp>
+        <p:nvSpPr>
+          <p:cNvPr id="22" name="Rounded Rectangle 21"/>
+          <p:cNvSpPr/>
+          <p:nvPr/>
+        </p:nvSpPr>
+        <p:spPr>
+          <a:xfrm>
+            <a:off x="2895600" y="5791200"/>
+            <a:ext cx="3352800" cy="609600"/>
+          </a:xfrm>
+          <a:prstGeom prst="roundRect">
+            <a:avLst/>
+          </a:prstGeom>
+        </p:spPr>
+        <p:style>
+          <a:lnRef idx="2">
+            <a:schemeClr val="accent6">
+              <a:shade val="50000"/>
+            </a:schemeClr>
+          </a:lnRef>
+          <a:fillRef idx="1">
+            <a:schemeClr val="accent6"/>
+          </a:fillRef>
+          <a:effectRef idx="0">
+            <a:schemeClr val="accent6"/>
+          </a:effectRef>
+          <a:fontRef idx="minor">
+            <a:schemeClr val="lt1"/>
+          </a:fontRef>
+        </p:style>
+        <p:txBody>
+          <a:bodyPr rtlCol="1" anchor="ctr"/>
+          <a:lstStyle/>
+          <a:p>
+            <a:pPr algn="ctr"/>
+            <a:r>
+              <a:rPr lang="he-IL" sz="2800" b="1" dirty="0" smtClean="0"/>
+              <a:t>הוספת פירושי מילים</a:t>
+            </a:r>
+            <a:endParaRPr lang="he-IL" sz="2800" b="1" dirty="0"/>
+          </a:p>
+        </p:txBody>
+      </p:sp>
+    </p:spTree>
+  </p:cSld>
+  <p:clrMapOvr>
+    <a:masterClrMapping/>
+  </p:clrMapOvr>
+</p:sld>
+</file>
+
+<file path=ppt/slides/slide17.xml><?xml version="1.0" encoding="utf-8"?>
+<p:sld xmlns:a="http://schemas.openxmlformats.org/drawingml/2006/main" xmlns:r="http://schemas.openxmlformats.org/officeDocument/2006/relationships" xmlns:p="http://schemas.openxmlformats.org/presentationml/2006/main">
+  <p:cSld>
+    <p:spTree>
+      <p:nvGrpSpPr>
+        <p:cNvPr id="1" name=""/>
+        <p:cNvGrpSpPr/>
+        <p:nvPr/>
+      </p:nvGrpSpPr>
+      <p:grpSpPr>
+        <a:xfrm>
+          <a:off x="0" y="0"/>
+          <a:ext cx="0" cy="0"/>
+          <a:chOff x="0" y="0"/>
+          <a:chExt cx="0" cy="0"/>
+        </a:xfrm>
+      </p:grpSpPr>
+      <p:pic>
+        <p:nvPicPr>
+          <p:cNvPr id="4" name="Picture 3" descr="1a.png"/>
+          <p:cNvPicPr>
+            <a:picLocks noChangeAspect="1"/>
+          </p:cNvPicPr>
+          <p:nvPr/>
+        </p:nvPicPr>
+        <p:blipFill>
+          <a:blip r:embed="rId2" cstate="print"/>
+          <a:stretch>
+            <a:fillRect/>
+          </a:stretch>
+        </p:blipFill>
+        <p:spPr>
+          <a:xfrm>
+            <a:off x="2438400" y="0"/>
+            <a:ext cx="4762500" cy="2743200"/>
+          </a:xfrm>
+          <a:prstGeom prst="rect">
+            <a:avLst/>
+          </a:prstGeom>
+        </p:spPr>
+      </p:pic>
+      <p:sp>
+        <p:nvSpPr>
+          <p:cNvPr id="11" name="Rounded Rectangle 10"/>
+          <p:cNvSpPr/>
+          <p:nvPr/>
+        </p:nvSpPr>
+        <p:spPr>
+          <a:xfrm>
+            <a:off x="152400" y="152400"/>
+            <a:ext cx="1371600" cy="457200"/>
+          </a:xfrm>
+          <a:prstGeom prst="roundRect">
+            <a:avLst/>
+          </a:prstGeom>
+        </p:spPr>
+        <p:style>
+          <a:lnRef idx="0">
+            <a:schemeClr val="accent2"/>
+          </a:lnRef>
+          <a:fillRef idx="3">
+            <a:schemeClr val="accent2"/>
+          </a:fillRef>
+          <a:effectRef idx="3">
+            <a:schemeClr val="accent2"/>
+          </a:effectRef>
+          <a:fontRef idx="minor">
+            <a:schemeClr val="lt1"/>
+          </a:fontRef>
+        </p:style>
+        <p:txBody>
+          <a:bodyPr rtlCol="1" anchor="ctr"/>
+          <a:lstStyle/>
+          <a:p>
+            <a:pPr algn="ctr"/>
+            <a:r>
+              <a:rPr lang="he-IL" sz="2000" b="1" dirty="0" smtClean="0"/>
+              <a:t>התנתק</a:t>
+            </a:r>
+            <a:endParaRPr lang="he-IL" sz="2000" b="1" dirty="0"/>
+          </a:p>
+        </p:txBody>
+      </p:sp>
+      <p:sp>
+        <p:nvSpPr>
+          <p:cNvPr id="13" name="Rounded Rectangle 12"/>
+          <p:cNvSpPr/>
+          <p:nvPr/>
+        </p:nvSpPr>
+        <p:spPr>
+          <a:xfrm>
+            <a:off x="2362200" y="2286000"/>
+            <a:ext cx="4419600" cy="609600"/>
+          </a:xfrm>
+          <a:prstGeom prst="roundRect">
+            <a:avLst/>
+          </a:prstGeom>
+        </p:spPr>
+        <p:style>
+          <a:lnRef idx="3">
+            <a:schemeClr val="lt1"/>
+          </a:lnRef>
+          <a:fillRef idx="1">
+            <a:schemeClr val="accent3"/>
+          </a:fillRef>
+          <a:effectRef idx="1">
+            <a:schemeClr val="accent3"/>
+          </a:effectRef>
+          <a:fontRef idx="minor">
+            <a:schemeClr val="lt1"/>
+          </a:fontRef>
+        </p:style>
+        <p:txBody>
+          <a:bodyPr rtlCol="1" anchor="ctr"/>
+          <a:lstStyle/>
+          <a:p>
+            <a:pPr algn="ctr"/>
+            <a:r>
+              <a:rPr lang="he-IL" sz="2800" b="1" dirty="0" smtClean="0"/>
+              <a:t>הוספת משתמשים / כיתות</a:t>
+            </a:r>
+            <a:endParaRPr lang="he-IL" sz="2800" b="1" dirty="0"/>
+          </a:p>
+        </p:txBody>
+      </p:sp>
+      <p:sp>
+        <p:nvSpPr>
+          <p:cNvPr id="12" name="Right Arrow 11"/>
+          <p:cNvSpPr/>
+          <p:nvPr/>
+        </p:nvSpPr>
+        <p:spPr>
+          <a:xfrm>
+            <a:off x="7924800" y="381000"/>
+            <a:ext cx="1143000" cy="762000"/>
+          </a:xfrm>
+          <a:prstGeom prst="rightArrow">
+            <a:avLst/>
+          </a:prstGeom>
+        </p:spPr>
+        <p:style>
+          <a:lnRef idx="0">
+            <a:schemeClr val="accent2"/>
+          </a:lnRef>
+          <a:fillRef idx="3">
+            <a:schemeClr val="accent2"/>
+          </a:fillRef>
+          <a:effectRef idx="3">
+            <a:schemeClr val="accent2"/>
+          </a:effectRef>
+          <a:fontRef idx="minor">
+            <a:schemeClr val="lt1"/>
+          </a:fontRef>
+        </p:style>
+        <p:txBody>
+          <a:bodyPr rtlCol="1" anchor="ctr"/>
+          <a:lstStyle/>
+          <a:p>
+            <a:pPr algn="ctr"/>
+            <a:r>
+              <a:rPr lang="he-IL" b="1" dirty="0" smtClean="0"/>
+              <a:t>חזור</a:t>
+            </a:r>
+            <a:endParaRPr lang="he-IL" b="1" dirty="0"/>
+          </a:p>
+        </p:txBody>
+      </p:sp>
+      <p:sp>
+        <p:nvSpPr>
+          <p:cNvPr id="15" name="Rounded Rectangle 14"/>
+          <p:cNvSpPr/>
+          <p:nvPr/>
+        </p:nvSpPr>
+        <p:spPr>
+          <a:xfrm>
+            <a:off x="2971800" y="4724400"/>
+            <a:ext cx="3429000" cy="609600"/>
+          </a:xfrm>
+          <a:prstGeom prst="roundRect">
+            <a:avLst/>
+          </a:prstGeom>
+        </p:spPr>
+        <p:style>
+          <a:lnRef idx="2">
+            <a:schemeClr val="accent6">
+              <a:shade val="50000"/>
+            </a:schemeClr>
+          </a:lnRef>
+          <a:fillRef idx="1">
+            <a:schemeClr val="accent6"/>
+          </a:fillRef>
+          <a:effectRef idx="0">
+            <a:schemeClr val="accent6"/>
+          </a:effectRef>
+          <a:fontRef idx="minor">
+            <a:schemeClr val="lt1"/>
+          </a:fontRef>
+        </p:style>
+        <p:txBody>
+          <a:bodyPr rtlCol="1" anchor="ctr"/>
+          <a:lstStyle/>
+          <a:p>
+            <a:pPr algn="ctr"/>
+            <a:r>
+              <a:rPr lang="he-IL" sz="2800" b="1" dirty="0" smtClean="0"/>
+              <a:t>הוספת מורה</a:t>
+            </a:r>
+            <a:endParaRPr lang="he-IL" sz="2800" b="1" dirty="0"/>
+          </a:p>
+        </p:txBody>
+      </p:sp>
+      <p:sp>
+        <p:nvSpPr>
+          <p:cNvPr id="16" name="Rounded Rectangle 15"/>
+          <p:cNvSpPr/>
+          <p:nvPr/>
+        </p:nvSpPr>
+        <p:spPr>
+          <a:xfrm>
+            <a:off x="2971800" y="4114800"/>
+            <a:ext cx="3429000" cy="609600"/>
+          </a:xfrm>
+          <a:prstGeom prst="roundRect">
+            <a:avLst/>
+          </a:prstGeom>
+        </p:spPr>
+        <p:style>
+          <a:lnRef idx="2">
+            <a:schemeClr val="accent6">
+              <a:shade val="50000"/>
+            </a:schemeClr>
+          </a:lnRef>
+          <a:fillRef idx="1">
+            <a:schemeClr val="accent6"/>
+          </a:fillRef>
+          <a:effectRef idx="0">
+            <a:schemeClr val="accent6"/>
+          </a:effectRef>
+          <a:fontRef idx="minor">
+            <a:schemeClr val="lt1"/>
+          </a:fontRef>
+        </p:style>
+        <p:txBody>
+          <a:bodyPr rtlCol="1" anchor="ctr"/>
+          <a:lstStyle/>
+          <a:p>
+            <a:pPr algn="ctr"/>
+            <a:r>
+              <a:rPr lang="he-IL" sz="2800" b="1" dirty="0" smtClean="0"/>
+              <a:t>הוספת תלמיד</a:t>
+            </a:r>
+            <a:endParaRPr lang="he-IL" sz="2800" b="1" dirty="0"/>
+          </a:p>
+        </p:txBody>
+      </p:sp>
+      <p:sp>
+        <p:nvSpPr>
+          <p:cNvPr id="17" name="Rounded Rectangle 16"/>
+          <p:cNvSpPr/>
+          <p:nvPr/>
+        </p:nvSpPr>
+        <p:spPr>
+          <a:xfrm>
+            <a:off x="2971800" y="3505200"/>
+            <a:ext cx="3429000" cy="609600"/>
+          </a:xfrm>
+          <a:prstGeom prst="roundRect">
+            <a:avLst/>
+          </a:prstGeom>
+        </p:spPr>
+        <p:style>
+          <a:lnRef idx="2">
+            <a:schemeClr val="accent6">
+              <a:shade val="50000"/>
+            </a:schemeClr>
+          </a:lnRef>
+          <a:fillRef idx="1">
+            <a:schemeClr val="accent6"/>
+          </a:fillRef>
+          <a:effectRef idx="0">
+            <a:schemeClr val="accent6"/>
+          </a:effectRef>
+          <a:fontRef idx="minor">
+            <a:schemeClr val="lt1"/>
+          </a:fontRef>
+        </p:style>
+        <p:txBody>
+          <a:bodyPr rtlCol="1" anchor="ctr"/>
+          <a:lstStyle/>
+          <a:p>
+            <a:pPr algn="ctr"/>
+            <a:r>
+              <a:rPr lang="he-IL" sz="2800" b="1" dirty="0" smtClean="0"/>
+              <a:t>הוספת כיתה</a:t>
+            </a:r>
+            <a:endParaRPr lang="he-IL" sz="2800" b="1" dirty="0"/>
+          </a:p>
+        </p:txBody>
+      </p:sp>
+    </p:spTree>
+  </p:cSld>
+  <p:clrMapOvr>
+    <a:masterClrMapping/>
+  </p:clrMapOvr>
+</p:sld>
+</file>
+
+<file path=ppt/slides/slide18.xml><?xml version="1.0" encoding="utf-8"?>
+<p:sld xmlns:a="http://schemas.openxmlformats.org/drawingml/2006/main" xmlns:r="http://schemas.openxmlformats.org/officeDocument/2006/relationships" xmlns:p="http://schemas.openxmlformats.org/presentationml/2006/main">
+  <p:cSld>
+    <p:spTree>
+      <p:nvGrpSpPr>
+        <p:cNvPr id="1" name=""/>
+        <p:cNvGrpSpPr/>
+        <p:nvPr/>
+      </p:nvGrpSpPr>
+      <p:grpSpPr>
+        <a:xfrm>
+          <a:off x="0" y="0"/>
+          <a:ext cx="0" cy="0"/>
+          <a:chOff x="0" y="0"/>
+          <a:chExt cx="0" cy="0"/>
+        </a:xfrm>
+      </p:grpSpPr>
+      <p:pic>
+        <p:nvPicPr>
+          <p:cNvPr id="4" name="Picture 3" descr="1a.png"/>
+          <p:cNvPicPr>
+            <a:picLocks noChangeAspect="1"/>
+          </p:cNvPicPr>
+          <p:nvPr/>
+        </p:nvPicPr>
+        <p:blipFill>
+          <a:blip r:embed="rId2" cstate="print"/>
+          <a:stretch>
+            <a:fillRect/>
+          </a:stretch>
+        </p:blipFill>
+        <p:spPr>
+          <a:xfrm>
+            <a:off x="2438400" y="0"/>
+            <a:ext cx="4762500" cy="2743200"/>
+          </a:xfrm>
+          <a:prstGeom prst="rect">
+            <a:avLst/>
+          </a:prstGeom>
+        </p:spPr>
+      </p:pic>
+      <p:sp>
+        <p:nvSpPr>
+          <p:cNvPr id="11" name="Rounded Rectangle 10"/>
+          <p:cNvSpPr/>
+          <p:nvPr/>
+        </p:nvSpPr>
+        <p:spPr>
+          <a:xfrm>
+            <a:off x="152400" y="152400"/>
+            <a:ext cx="1371600" cy="457200"/>
+          </a:xfrm>
+          <a:prstGeom prst="roundRect">
+            <a:avLst/>
+          </a:prstGeom>
+        </p:spPr>
+        <p:style>
+          <a:lnRef idx="0">
+            <a:schemeClr val="accent2"/>
+          </a:lnRef>
+          <a:fillRef idx="3">
+            <a:schemeClr val="accent2"/>
+          </a:fillRef>
+          <a:effectRef idx="3">
+            <a:schemeClr val="accent2"/>
+          </a:effectRef>
+          <a:fontRef idx="minor">
+            <a:schemeClr val="lt1"/>
+          </a:fontRef>
+        </p:style>
+        <p:txBody>
+          <a:bodyPr rtlCol="1" anchor="ctr"/>
+          <a:lstStyle/>
+          <a:p>
+            <a:pPr algn="ctr"/>
+            <a:r>
+              <a:rPr lang="he-IL" sz="2000" b="1" dirty="0" smtClean="0"/>
+              <a:t>התנתק</a:t>
+            </a:r>
+            <a:endParaRPr lang="he-IL" sz="2000" b="1" dirty="0"/>
+          </a:p>
+        </p:txBody>
+      </p:sp>
+      <p:sp>
+        <p:nvSpPr>
+          <p:cNvPr id="14" name="Rounded Rectangle 13"/>
+          <p:cNvSpPr/>
+          <p:nvPr/>
+        </p:nvSpPr>
+        <p:spPr>
+          <a:xfrm>
+            <a:off x="2971800" y="2286000"/>
+            <a:ext cx="2895600" cy="609600"/>
+          </a:xfrm>
+          <a:prstGeom prst="roundRect">
+            <a:avLst/>
+          </a:prstGeom>
+        </p:spPr>
+        <p:style>
+          <a:lnRef idx="3">
+            <a:schemeClr val="lt1"/>
+          </a:lnRef>
+          <a:fillRef idx="1">
+            <a:schemeClr val="accent3"/>
+          </a:fillRef>
+          <a:effectRef idx="1">
+            <a:schemeClr val="accent3"/>
+          </a:effectRef>
+          <a:fontRef idx="minor">
+            <a:schemeClr val="lt1"/>
+          </a:fontRef>
+        </p:style>
+        <p:txBody>
+          <a:bodyPr rtlCol="1" anchor="ctr"/>
+          <a:lstStyle/>
+          <a:p>
+            <a:pPr algn="ctr"/>
+            <a:r>
+              <a:rPr lang="he-IL" sz="2800" b="1" dirty="0" smtClean="0"/>
+              <a:t>בדיקת שאלות</a:t>
+            </a:r>
+            <a:endParaRPr lang="he-IL" sz="2800" b="1" dirty="0"/>
+          </a:p>
+        </p:txBody>
+      </p:sp>
+      <p:sp>
+        <p:nvSpPr>
+          <p:cNvPr id="12" name="Right Arrow 11"/>
+          <p:cNvSpPr/>
+          <p:nvPr/>
+        </p:nvSpPr>
+        <p:spPr>
+          <a:xfrm>
+            <a:off x="7924800" y="381000"/>
+            <a:ext cx="1143000" cy="762000"/>
+          </a:xfrm>
+          <a:prstGeom prst="rightArrow">
+            <a:avLst/>
+          </a:prstGeom>
+        </p:spPr>
+        <p:style>
+          <a:lnRef idx="0">
+            <a:schemeClr val="accent2"/>
+          </a:lnRef>
+          <a:fillRef idx="3">
+            <a:schemeClr val="accent2"/>
+          </a:fillRef>
+          <a:effectRef idx="3">
+            <a:schemeClr val="accent2"/>
+          </a:effectRef>
+          <a:fontRef idx="minor">
+            <a:schemeClr val="lt1"/>
+          </a:fontRef>
+        </p:style>
+        <p:txBody>
+          <a:bodyPr rtlCol="1" anchor="ctr"/>
+          <a:lstStyle/>
+          <a:p>
+            <a:pPr algn="ctr"/>
+            <a:r>
+              <a:rPr lang="he-IL" b="1" dirty="0" smtClean="0"/>
+              <a:t>חזור</a:t>
+            </a:r>
+            <a:endParaRPr lang="he-IL" b="1" dirty="0"/>
+          </a:p>
+        </p:txBody>
+      </p:sp>
+      <p:sp>
+        <p:nvSpPr>
+          <p:cNvPr id="15" name="Rounded Rectangle 14"/>
+          <p:cNvSpPr/>
+          <p:nvPr/>
+        </p:nvSpPr>
+        <p:spPr>
+          <a:xfrm>
+            <a:off x="2743200" y="3352800"/>
+            <a:ext cx="3352800" cy="609600"/>
+          </a:xfrm>
+          <a:prstGeom prst="roundRect">
+            <a:avLst/>
+          </a:prstGeom>
+        </p:spPr>
+        <p:style>
+          <a:lnRef idx="2">
+            <a:schemeClr val="accent6">
+              <a:shade val="50000"/>
+            </a:schemeClr>
+          </a:lnRef>
+          <a:fillRef idx="1">
+            <a:schemeClr val="accent6"/>
+          </a:fillRef>
+          <a:effectRef idx="0">
+            <a:schemeClr val="accent6"/>
+          </a:effectRef>
+          <a:fontRef idx="minor">
+            <a:schemeClr val="lt1"/>
+          </a:fontRef>
+        </p:style>
+        <p:txBody>
+          <a:bodyPr rtlCol="1" anchor="ctr"/>
+          <a:lstStyle/>
+          <a:p>
+            <a:pPr algn="ctr"/>
+            <a:r>
+              <a:rPr lang="he-IL" sz="2800" b="1" dirty="0" smtClean="0"/>
+              <a:t>כיתה ז' 2</a:t>
+            </a:r>
+            <a:endParaRPr lang="he-IL" sz="2800" b="1" dirty="0"/>
+          </a:p>
+        </p:txBody>
+      </p:sp>
+      <p:sp>
+        <p:nvSpPr>
+          <p:cNvPr id="16" name="Rounded Rectangle 15"/>
+          <p:cNvSpPr/>
+          <p:nvPr/>
+        </p:nvSpPr>
+        <p:spPr>
+          <a:xfrm>
+            <a:off x="2743200" y="3962400"/>
+            <a:ext cx="3352800" cy="609600"/>
+          </a:xfrm>
+          <a:prstGeom prst="roundRect">
+            <a:avLst/>
+          </a:prstGeom>
+        </p:spPr>
+        <p:style>
+          <a:lnRef idx="2">
+            <a:schemeClr val="accent6">
+              <a:shade val="50000"/>
+            </a:schemeClr>
+          </a:lnRef>
+          <a:fillRef idx="1">
+            <a:schemeClr val="accent6"/>
+          </a:fillRef>
+          <a:effectRef idx="0">
+            <a:schemeClr val="accent6"/>
+          </a:effectRef>
+          <a:fontRef idx="minor">
+            <a:schemeClr val="lt1"/>
+          </a:fontRef>
+        </p:style>
+        <p:txBody>
+          <a:bodyPr rtlCol="1" anchor="ctr"/>
+          <a:lstStyle/>
+          <a:p>
+            <a:pPr algn="ctr"/>
+            <a:r>
+              <a:rPr lang="he-IL" sz="2800" b="1" dirty="0" smtClean="0"/>
+              <a:t>כיתה ח' 2</a:t>
+            </a:r>
+            <a:endParaRPr lang="he-IL" sz="2800" b="1" dirty="0"/>
+          </a:p>
+        </p:txBody>
+      </p:sp>
+      <p:sp>
+        <p:nvSpPr>
+          <p:cNvPr id="17" name="Rounded Rectangle 16"/>
+          <p:cNvSpPr/>
+          <p:nvPr/>
+        </p:nvSpPr>
+        <p:spPr>
+          <a:xfrm>
+            <a:off x="2743200" y="4572000"/>
+            <a:ext cx="3352800" cy="609600"/>
+          </a:xfrm>
+          <a:prstGeom prst="roundRect">
+            <a:avLst/>
+          </a:prstGeom>
+        </p:spPr>
+        <p:style>
+          <a:lnRef idx="2">
+            <a:schemeClr val="accent6">
+              <a:shade val="50000"/>
+            </a:schemeClr>
+          </a:lnRef>
+          <a:fillRef idx="1">
+            <a:schemeClr val="accent6"/>
+          </a:fillRef>
+          <a:effectRef idx="0">
+            <a:schemeClr val="accent6"/>
+          </a:effectRef>
+          <a:fontRef idx="minor">
+            <a:schemeClr val="lt1"/>
+          </a:fontRef>
+        </p:style>
+        <p:txBody>
+          <a:bodyPr rtlCol="1" anchor="ctr"/>
+          <a:lstStyle/>
+          <a:p>
+            <a:pPr algn="ctr"/>
+            <a:r>
+              <a:rPr lang="he-IL" sz="2800" b="1" dirty="0" smtClean="0"/>
+              <a:t>כיתה ט' 1</a:t>
+            </a:r>
+            <a:endParaRPr lang="he-IL" sz="2800" b="1" dirty="0"/>
+          </a:p>
+        </p:txBody>
+      </p:sp>
+    </p:spTree>
+  </p:cSld>
+  <p:clrMapOvr>
+    <a:masterClrMapping/>
+  </p:clrMapOvr>
+</p:sld>
+</file>
+
+<file path=ppt/slides/slide19.xml><?xml version="1.0" encoding="utf-8"?>
+<p:sld xmlns:a="http://schemas.openxmlformats.org/drawingml/2006/main" xmlns:r="http://schemas.openxmlformats.org/officeDocument/2006/relationships" xmlns:p="http://schemas.openxmlformats.org/presentationml/2006/main">
+  <p:cSld>
+    <p:spTree>
+      <p:nvGrpSpPr>
+        <p:cNvPr id="1" name=""/>
+        <p:cNvGrpSpPr/>
+        <p:nvPr/>
+      </p:nvGrpSpPr>
+      <p:grpSpPr>
+        <a:xfrm>
+          <a:off x="0" y="0"/>
+          <a:ext cx="0" cy="0"/>
+          <a:chOff x="0" y="0"/>
+          <a:chExt cx="0" cy="0"/>
+        </a:xfrm>
+      </p:grpSpPr>
+      <p:pic>
+        <p:nvPicPr>
+          <p:cNvPr id="4" name="Picture 3" descr="1a.png"/>
+          <p:cNvPicPr>
+            <a:picLocks noChangeAspect="1"/>
+          </p:cNvPicPr>
+          <p:nvPr/>
+        </p:nvPicPr>
+        <p:blipFill>
+          <a:blip r:embed="rId2" cstate="print"/>
+          <a:stretch>
+            <a:fillRect/>
+          </a:stretch>
+        </p:blipFill>
+        <p:spPr>
+          <a:xfrm>
+            <a:off x="2438400" y="0"/>
+            <a:ext cx="4762500" cy="2743200"/>
+          </a:xfrm>
+          <a:prstGeom prst="rect">
+            <a:avLst/>
+          </a:prstGeom>
+        </p:spPr>
+      </p:pic>
+      <p:sp>
+        <p:nvSpPr>
+          <p:cNvPr id="11" name="Rounded Rectangle 10"/>
+          <p:cNvSpPr/>
+          <p:nvPr/>
+        </p:nvSpPr>
+        <p:spPr>
+          <a:xfrm>
+            <a:off x="152400" y="152400"/>
+            <a:ext cx="1371600" cy="457200"/>
+          </a:xfrm>
+          <a:prstGeom prst="roundRect">
+            <a:avLst/>
+          </a:prstGeom>
+        </p:spPr>
+        <p:style>
+          <a:lnRef idx="0">
+            <a:schemeClr val="accent2"/>
+          </a:lnRef>
+          <a:fillRef idx="3">
+            <a:schemeClr val="accent2"/>
+          </a:fillRef>
+          <a:effectRef idx="3">
+            <a:schemeClr val="accent2"/>
+          </a:effectRef>
+          <a:fontRef idx="minor">
+            <a:schemeClr val="lt1"/>
+          </a:fontRef>
+        </p:style>
+        <p:txBody>
+          <a:bodyPr rtlCol="1" anchor="ctr"/>
+          <a:lstStyle/>
+          <a:p>
+            <a:pPr algn="ctr"/>
+            <a:r>
+              <a:rPr lang="he-IL" sz="2000" b="1" dirty="0" smtClean="0"/>
+              <a:t>התנתק</a:t>
+            </a:r>
+            <a:endParaRPr lang="he-IL" sz="2000" b="1" dirty="0"/>
+          </a:p>
+        </p:txBody>
+      </p:sp>
+      <p:sp>
+        <p:nvSpPr>
+          <p:cNvPr id="14" name="Rounded Rectangle 13"/>
+          <p:cNvSpPr/>
+          <p:nvPr/>
+        </p:nvSpPr>
+        <p:spPr>
+          <a:xfrm>
+            <a:off x="2971800" y="2286000"/>
+            <a:ext cx="2895600" cy="609600"/>
+          </a:xfrm>
+          <a:prstGeom prst="roundRect">
+            <a:avLst/>
+          </a:prstGeom>
+        </p:spPr>
+        <p:style>
+          <a:lnRef idx="3">
+            <a:schemeClr val="lt1"/>
+          </a:lnRef>
+          <a:fillRef idx="1">
+            <a:schemeClr val="accent3"/>
+          </a:fillRef>
+          <a:effectRef idx="1">
+            <a:schemeClr val="accent3"/>
+          </a:effectRef>
+          <a:fontRef idx="minor">
+            <a:schemeClr val="lt1"/>
+          </a:fontRef>
+        </p:style>
+        <p:txBody>
+          <a:bodyPr rtlCol="1" anchor="ctr"/>
+          <a:lstStyle/>
+          <a:p>
+            <a:pPr algn="ctr"/>
+            <a:r>
+              <a:rPr lang="he-IL" sz="2800" b="1" dirty="0" smtClean="0"/>
+              <a:t>בדיקת שאלות</a:t>
+            </a:r>
+            <a:endParaRPr lang="he-IL" sz="2800" b="1" dirty="0"/>
+          </a:p>
+        </p:txBody>
+      </p:sp>
+      <p:sp>
+        <p:nvSpPr>
+          <p:cNvPr id="12" name="Right Arrow 11"/>
+          <p:cNvSpPr/>
+          <p:nvPr/>
+        </p:nvSpPr>
+        <p:spPr>
+          <a:xfrm>
+            <a:off x="7924800" y="381000"/>
+            <a:ext cx="1143000" cy="762000"/>
+          </a:xfrm>
+          <a:prstGeom prst="rightArrow">
+            <a:avLst/>
+          </a:prstGeom>
+        </p:spPr>
+        <p:style>
+          <a:lnRef idx="0">
+            <a:schemeClr val="accent2"/>
+          </a:lnRef>
+          <a:fillRef idx="3">
+            <a:schemeClr val="accent2"/>
+          </a:fillRef>
+          <a:effectRef idx="3">
+            <a:schemeClr val="accent2"/>
+          </a:effectRef>
+          <a:fontRef idx="minor">
+            <a:schemeClr val="lt1"/>
+          </a:fontRef>
+        </p:style>
+        <p:txBody>
+          <a:bodyPr rtlCol="1" anchor="ctr"/>
+          <a:lstStyle/>
+          <a:p>
+            <a:pPr algn="ctr"/>
+            <a:r>
+              <a:rPr lang="he-IL" b="1" dirty="0" smtClean="0"/>
+              <a:t>חזור</a:t>
+            </a:r>
+            <a:endParaRPr lang="he-IL" b="1" dirty="0"/>
+          </a:p>
+        </p:txBody>
+      </p:sp>
+      <p:sp>
+        <p:nvSpPr>
+          <p:cNvPr id="15" name="Rounded Rectangle 14"/>
+          <p:cNvSpPr/>
+          <p:nvPr/>
+        </p:nvSpPr>
+        <p:spPr>
+          <a:xfrm>
+            <a:off x="2743200" y="2895600"/>
+            <a:ext cx="3352800" cy="609600"/>
+          </a:xfrm>
+          <a:prstGeom prst="roundRect">
+            <a:avLst/>
+          </a:prstGeom>
+        </p:spPr>
+        <p:style>
+          <a:lnRef idx="0">
+            <a:schemeClr val="accent2"/>
+          </a:lnRef>
+          <a:fillRef idx="3">
+            <a:schemeClr val="accent2"/>
+          </a:fillRef>
+          <a:effectRef idx="3">
+            <a:schemeClr val="accent2"/>
+          </a:effectRef>
+          <a:fontRef idx="minor">
+            <a:schemeClr val="lt1"/>
+          </a:fontRef>
+        </p:style>
+        <p:txBody>
+          <a:bodyPr rtlCol="1" anchor="ctr"/>
+          <a:lstStyle/>
+          <a:p>
+            <a:pPr algn="ctr"/>
+            <a:r>
+              <a:rPr lang="he-IL" sz="2800" b="1" dirty="0" smtClean="0"/>
+              <a:t>כיתה ז' 2</a:t>
+            </a:r>
+            <a:endParaRPr lang="he-IL" sz="2800" b="1" dirty="0"/>
+          </a:p>
+        </p:txBody>
+      </p:sp>
+      <p:sp>
+        <p:nvSpPr>
+          <p:cNvPr id="16" name="Rounded Rectangle 15"/>
+          <p:cNvSpPr/>
+          <p:nvPr/>
+        </p:nvSpPr>
+        <p:spPr>
+          <a:xfrm>
+            <a:off x="2743200" y="3962400"/>
+            <a:ext cx="3352800" cy="609600"/>
+          </a:xfrm>
+          <a:prstGeom prst="roundRect">
+            <a:avLst/>
+          </a:prstGeom>
+        </p:spPr>
+        <p:style>
+          <a:lnRef idx="2">
+            <a:schemeClr val="accent6">
+              <a:shade val="50000"/>
+            </a:schemeClr>
+          </a:lnRef>
+          <a:fillRef idx="1">
+            <a:schemeClr val="accent6"/>
+          </a:fillRef>
+          <a:effectRef idx="0">
+            <a:schemeClr val="accent6"/>
+          </a:effectRef>
+          <a:fontRef idx="minor">
+            <a:schemeClr val="lt1"/>
+          </a:fontRef>
+        </p:style>
+        <p:txBody>
+          <a:bodyPr rtlCol="1" anchor="ctr"/>
+          <a:lstStyle/>
+          <a:p>
+            <a:pPr algn="ctr"/>
+            <a:r>
+              <a:rPr lang="he-IL" sz="2800" b="1" dirty="0" smtClean="0"/>
+              <a:t>תלמיד א'</a:t>
+            </a:r>
+            <a:endParaRPr lang="he-IL" sz="2800" b="1" dirty="0"/>
+          </a:p>
+        </p:txBody>
+      </p:sp>
+      <p:sp>
+        <p:nvSpPr>
+          <p:cNvPr id="17" name="Rounded Rectangle 16"/>
+          <p:cNvSpPr/>
+          <p:nvPr/>
+        </p:nvSpPr>
+        <p:spPr>
+          <a:xfrm>
+            <a:off x="2743200" y="4572000"/>
+            <a:ext cx="3352800" cy="609600"/>
+          </a:xfrm>
+          <a:prstGeom prst="roundRect">
+            <a:avLst/>
+          </a:prstGeom>
+        </p:spPr>
+        <p:style>
+          <a:lnRef idx="2">
+            <a:schemeClr val="accent6">
+              <a:shade val="50000"/>
+            </a:schemeClr>
+          </a:lnRef>
+          <a:fillRef idx="1">
+            <a:schemeClr val="accent6"/>
+          </a:fillRef>
+          <a:effectRef idx="0">
+            <a:schemeClr val="accent6"/>
+          </a:effectRef>
+          <a:fontRef idx="minor">
+            <a:schemeClr val="lt1"/>
+          </a:fontRef>
+        </p:style>
+        <p:txBody>
+          <a:bodyPr rtlCol="1" anchor="ctr"/>
+          <a:lstStyle/>
+          <a:p>
+            <a:pPr algn="ctr"/>
+            <a:r>
+              <a:rPr lang="he-IL" sz="2800" b="1" dirty="0" smtClean="0"/>
+              <a:t>תלמיד ב'</a:t>
+            </a:r>
+            <a:endParaRPr lang="he-IL" sz="2800" b="1" dirty="0"/>
+          </a:p>
+        </p:txBody>
+      </p:sp>
+      <p:sp>
+        <p:nvSpPr>
+          <p:cNvPr id="9" name="Rounded Rectangle 8"/>
+          <p:cNvSpPr/>
+          <p:nvPr/>
+        </p:nvSpPr>
+        <p:spPr>
+          <a:xfrm>
+            <a:off x="2743200" y="5181600"/>
+            <a:ext cx="3352800" cy="609600"/>
+          </a:xfrm>
+          <a:prstGeom prst="roundRect">
+            <a:avLst/>
+          </a:prstGeom>
+        </p:spPr>
+        <p:style>
+          <a:lnRef idx="2">
+            <a:schemeClr val="accent6">
+              <a:shade val="50000"/>
+            </a:schemeClr>
+          </a:lnRef>
+          <a:fillRef idx="1">
+            <a:schemeClr val="accent6"/>
+          </a:fillRef>
+          <a:effectRef idx="0">
+            <a:schemeClr val="accent6"/>
+          </a:effectRef>
+          <a:fontRef idx="minor">
+            <a:schemeClr val="lt1"/>
+          </a:fontRef>
+        </p:style>
+        <p:txBody>
+          <a:bodyPr rtlCol="1" anchor="ctr"/>
+          <a:lstStyle/>
+          <a:p>
+            <a:pPr algn="ctr"/>
+            <a:r>
+              <a:rPr lang="he-IL" sz="2800" b="1" dirty="0" smtClean="0"/>
+              <a:t>תלמיד ג'</a:t>
+            </a:r>
+            <a:endParaRPr lang="he-IL" sz="2800" b="1" dirty="0"/>
+          </a:p>
+        </p:txBody>
+      </p:sp>
+      <p:sp>
+        <p:nvSpPr>
+          <p:cNvPr id="10" name="Line Callout 1 9"/>
+          <p:cNvSpPr/>
+          <p:nvPr/>
+        </p:nvSpPr>
+        <p:spPr>
+          <a:xfrm>
+            <a:off x="6477000" y="4114800"/>
+            <a:ext cx="1447800" cy="685800"/>
+          </a:xfrm>
+          <a:prstGeom prst="borderCallout1">
+            <a:avLst/>
+          </a:prstGeom>
+        </p:spPr>
+        <p:style>
+          <a:lnRef idx="2">
+            <a:schemeClr val="accent2"/>
+          </a:lnRef>
+          <a:fillRef idx="1">
+            <a:schemeClr val="lt1"/>
+          </a:fillRef>
+          <a:effectRef idx="0">
+            <a:schemeClr val="accent2"/>
+          </a:effectRef>
+          <a:fontRef idx="minor">
+            <a:schemeClr val="dk1"/>
+          </a:fontRef>
+        </p:style>
+        <p:txBody>
+          <a:bodyPr rtlCol="1" anchor="ctr"/>
+          <a:lstStyle/>
+          <a:p>
+            <a:pPr algn="ctr"/>
+            <a:r>
+              <a:rPr lang="he-IL" sz="2000" b="1" dirty="0" smtClean="0">
+                <a:solidFill>
+                  <a:srgbClr val="C00000"/>
+                </a:solidFill>
+              </a:rPr>
+              <a:t>ממתין לבדיקה</a:t>
+            </a:r>
+            <a:endParaRPr lang="he-IL" sz="2000" b="1" dirty="0">
+              <a:solidFill>
+                <a:srgbClr val="C00000"/>
+              </a:solidFill>
+            </a:endParaRPr>
+          </a:p>
+        </p:txBody>
+      </p:sp>
+    </p:spTree>
+  </p:cSld>
+  <p:clrMapOvr>
+    <a:masterClrMapping/>
+  </p:clrMapOvr>
+</p:sld>
+</file>
+
 <file path=ppt/slides/slide2.xml><?xml version="1.0" encoding="utf-8"?>
 <p:sld xmlns:a="http://schemas.openxmlformats.org/drawingml/2006/main" xmlns:r="http://schemas.openxmlformats.org/officeDocument/2006/relationships" xmlns:p="http://schemas.openxmlformats.org/presentationml/2006/main">
   <p:cSld>
@@ -4987,6 +6799,3021 @@
               <a:t>חזור</a:t>
             </a:r>
             <a:endParaRPr lang="he-IL" b="1" dirty="0"/>
+          </a:p>
+        </p:txBody>
+      </p:sp>
+    </p:spTree>
+  </p:cSld>
+  <p:clrMapOvr>
+    <a:masterClrMapping/>
+  </p:clrMapOvr>
+</p:sld>
+</file>
+
+<file path=ppt/slides/slide20.xml><?xml version="1.0" encoding="utf-8"?>
+<p:sld xmlns:a="http://schemas.openxmlformats.org/drawingml/2006/main" xmlns:r="http://schemas.openxmlformats.org/officeDocument/2006/relationships" xmlns:p="http://schemas.openxmlformats.org/presentationml/2006/main">
+  <p:cSld>
+    <p:spTree>
+      <p:nvGrpSpPr>
+        <p:cNvPr id="1" name=""/>
+        <p:cNvGrpSpPr/>
+        <p:nvPr/>
+      </p:nvGrpSpPr>
+      <p:grpSpPr>
+        <a:xfrm>
+          <a:off x="0" y="0"/>
+          <a:ext cx="0" cy="0"/>
+          <a:chOff x="0" y="0"/>
+          <a:chExt cx="0" cy="0"/>
+        </a:xfrm>
+      </p:grpSpPr>
+      <p:pic>
+        <p:nvPicPr>
+          <p:cNvPr id="4" name="Picture 3" descr="1a.png"/>
+          <p:cNvPicPr>
+            <a:picLocks noChangeAspect="1"/>
+          </p:cNvPicPr>
+          <p:nvPr/>
+        </p:nvPicPr>
+        <p:blipFill>
+          <a:blip r:embed="rId2" cstate="print"/>
+          <a:stretch>
+            <a:fillRect/>
+          </a:stretch>
+        </p:blipFill>
+        <p:spPr>
+          <a:xfrm>
+            <a:off x="2438400" y="0"/>
+            <a:ext cx="4762500" cy="2743200"/>
+          </a:xfrm>
+          <a:prstGeom prst="rect">
+            <a:avLst/>
+          </a:prstGeom>
+        </p:spPr>
+      </p:pic>
+      <p:sp>
+        <p:nvSpPr>
+          <p:cNvPr id="9" name="Rounded Rectangle 8"/>
+          <p:cNvSpPr/>
+          <p:nvPr/>
+        </p:nvSpPr>
+        <p:spPr>
+          <a:xfrm>
+            <a:off x="2971800" y="2362200"/>
+            <a:ext cx="2895600" cy="609600"/>
+          </a:xfrm>
+          <a:prstGeom prst="roundRect">
+            <a:avLst/>
+          </a:prstGeom>
+        </p:spPr>
+        <p:style>
+          <a:lnRef idx="3">
+            <a:schemeClr val="lt1"/>
+          </a:lnRef>
+          <a:fillRef idx="1">
+            <a:schemeClr val="accent3"/>
+          </a:fillRef>
+          <a:effectRef idx="1">
+            <a:schemeClr val="accent3"/>
+          </a:effectRef>
+          <a:fontRef idx="minor">
+            <a:schemeClr val="lt1"/>
+          </a:fontRef>
+        </p:style>
+        <p:txBody>
+          <a:bodyPr rtlCol="1" anchor="ctr"/>
+          <a:lstStyle/>
+          <a:p>
+            <a:pPr algn="ctr"/>
+            <a:r>
+              <a:rPr lang="he-IL" sz="2800" b="1" dirty="0" smtClean="0"/>
+              <a:t>רשימת כיתות</a:t>
+            </a:r>
+            <a:endParaRPr lang="he-IL" sz="2800" b="1" dirty="0"/>
+          </a:p>
+        </p:txBody>
+      </p:sp>
+      <p:sp>
+        <p:nvSpPr>
+          <p:cNvPr id="11" name="Rounded Rectangle 10"/>
+          <p:cNvSpPr/>
+          <p:nvPr/>
+        </p:nvSpPr>
+        <p:spPr>
+          <a:xfrm>
+            <a:off x="152400" y="152400"/>
+            <a:ext cx="1371600" cy="457200"/>
+          </a:xfrm>
+          <a:prstGeom prst="roundRect">
+            <a:avLst/>
+          </a:prstGeom>
+        </p:spPr>
+        <p:style>
+          <a:lnRef idx="0">
+            <a:schemeClr val="accent2"/>
+          </a:lnRef>
+          <a:fillRef idx="3">
+            <a:schemeClr val="accent2"/>
+          </a:fillRef>
+          <a:effectRef idx="3">
+            <a:schemeClr val="accent2"/>
+          </a:effectRef>
+          <a:fontRef idx="minor">
+            <a:schemeClr val="lt1"/>
+          </a:fontRef>
+        </p:style>
+        <p:txBody>
+          <a:bodyPr rtlCol="1" anchor="ctr"/>
+          <a:lstStyle/>
+          <a:p>
+            <a:pPr algn="ctr"/>
+            <a:r>
+              <a:rPr lang="he-IL" sz="2000" b="1" dirty="0" smtClean="0"/>
+              <a:t>התנתק</a:t>
+            </a:r>
+            <a:endParaRPr lang="he-IL" sz="2000" b="1" dirty="0"/>
+          </a:p>
+        </p:txBody>
+      </p:sp>
+      <p:sp>
+        <p:nvSpPr>
+          <p:cNvPr id="12" name="Right Arrow 11"/>
+          <p:cNvSpPr/>
+          <p:nvPr/>
+        </p:nvSpPr>
+        <p:spPr>
+          <a:xfrm>
+            <a:off x="7924800" y="381000"/>
+            <a:ext cx="1143000" cy="762000"/>
+          </a:xfrm>
+          <a:prstGeom prst="rightArrow">
+            <a:avLst/>
+          </a:prstGeom>
+        </p:spPr>
+        <p:style>
+          <a:lnRef idx="0">
+            <a:schemeClr val="accent2"/>
+          </a:lnRef>
+          <a:fillRef idx="3">
+            <a:schemeClr val="accent2"/>
+          </a:fillRef>
+          <a:effectRef idx="3">
+            <a:schemeClr val="accent2"/>
+          </a:effectRef>
+          <a:fontRef idx="minor">
+            <a:schemeClr val="lt1"/>
+          </a:fontRef>
+        </p:style>
+        <p:txBody>
+          <a:bodyPr rtlCol="1" anchor="ctr"/>
+          <a:lstStyle/>
+          <a:p>
+            <a:pPr algn="ctr"/>
+            <a:r>
+              <a:rPr lang="he-IL" b="1" dirty="0" smtClean="0"/>
+              <a:t>חזור</a:t>
+            </a:r>
+            <a:endParaRPr lang="he-IL" b="1" dirty="0"/>
+          </a:p>
+        </p:txBody>
+      </p:sp>
+      <p:sp>
+        <p:nvSpPr>
+          <p:cNvPr id="15" name="Rounded Rectangle 14"/>
+          <p:cNvSpPr/>
+          <p:nvPr/>
+        </p:nvSpPr>
+        <p:spPr>
+          <a:xfrm>
+            <a:off x="2743200" y="3352800"/>
+            <a:ext cx="3352800" cy="609600"/>
+          </a:xfrm>
+          <a:prstGeom prst="roundRect">
+            <a:avLst/>
+          </a:prstGeom>
+        </p:spPr>
+        <p:style>
+          <a:lnRef idx="2">
+            <a:schemeClr val="accent6">
+              <a:shade val="50000"/>
+            </a:schemeClr>
+          </a:lnRef>
+          <a:fillRef idx="1">
+            <a:schemeClr val="accent6"/>
+          </a:fillRef>
+          <a:effectRef idx="0">
+            <a:schemeClr val="accent6"/>
+          </a:effectRef>
+          <a:fontRef idx="minor">
+            <a:schemeClr val="lt1"/>
+          </a:fontRef>
+        </p:style>
+        <p:txBody>
+          <a:bodyPr rtlCol="1" anchor="ctr"/>
+          <a:lstStyle/>
+          <a:p>
+            <a:pPr algn="ctr"/>
+            <a:r>
+              <a:rPr lang="he-IL" sz="2800" b="1" dirty="0" smtClean="0"/>
+              <a:t>כיתה ז' 1</a:t>
+            </a:r>
+            <a:endParaRPr lang="he-IL" sz="2800" b="1" dirty="0"/>
+          </a:p>
+        </p:txBody>
+      </p:sp>
+      <p:sp>
+        <p:nvSpPr>
+          <p:cNvPr id="16" name="Rounded Rectangle 15"/>
+          <p:cNvSpPr/>
+          <p:nvPr/>
+        </p:nvSpPr>
+        <p:spPr>
+          <a:xfrm>
+            <a:off x="2743200" y="3962400"/>
+            <a:ext cx="3352800" cy="609600"/>
+          </a:xfrm>
+          <a:prstGeom prst="roundRect">
+            <a:avLst/>
+          </a:prstGeom>
+        </p:spPr>
+        <p:style>
+          <a:lnRef idx="2">
+            <a:schemeClr val="accent6">
+              <a:shade val="50000"/>
+            </a:schemeClr>
+          </a:lnRef>
+          <a:fillRef idx="1">
+            <a:schemeClr val="accent6"/>
+          </a:fillRef>
+          <a:effectRef idx="0">
+            <a:schemeClr val="accent6"/>
+          </a:effectRef>
+          <a:fontRef idx="minor">
+            <a:schemeClr val="lt1"/>
+          </a:fontRef>
+        </p:style>
+        <p:txBody>
+          <a:bodyPr rtlCol="1" anchor="ctr"/>
+          <a:lstStyle/>
+          <a:p>
+            <a:pPr algn="ctr"/>
+            <a:r>
+              <a:rPr lang="he-IL" sz="2800" b="1" dirty="0" smtClean="0"/>
+              <a:t>כיתה ז' 2</a:t>
+            </a:r>
+            <a:endParaRPr lang="he-IL" sz="2800" b="1" dirty="0"/>
+          </a:p>
+        </p:txBody>
+      </p:sp>
+      <p:sp>
+        <p:nvSpPr>
+          <p:cNvPr id="17" name="Rounded Rectangle 16"/>
+          <p:cNvSpPr/>
+          <p:nvPr/>
+        </p:nvSpPr>
+        <p:spPr>
+          <a:xfrm>
+            <a:off x="2743200" y="4572000"/>
+            <a:ext cx="3352800" cy="609600"/>
+          </a:xfrm>
+          <a:prstGeom prst="roundRect">
+            <a:avLst/>
+          </a:prstGeom>
+        </p:spPr>
+        <p:style>
+          <a:lnRef idx="2">
+            <a:schemeClr val="accent6">
+              <a:shade val="50000"/>
+            </a:schemeClr>
+          </a:lnRef>
+          <a:fillRef idx="1">
+            <a:schemeClr val="accent6"/>
+          </a:fillRef>
+          <a:effectRef idx="0">
+            <a:schemeClr val="accent6"/>
+          </a:effectRef>
+          <a:fontRef idx="minor">
+            <a:schemeClr val="lt1"/>
+          </a:fontRef>
+        </p:style>
+        <p:txBody>
+          <a:bodyPr rtlCol="1" anchor="ctr"/>
+          <a:lstStyle/>
+          <a:p>
+            <a:pPr algn="ctr"/>
+            <a:r>
+              <a:rPr lang="he-IL" sz="2800" b="1" dirty="0" smtClean="0"/>
+              <a:t>כיתה ח' 1</a:t>
+            </a:r>
+            <a:endParaRPr lang="he-IL" sz="2800" b="1" dirty="0"/>
+          </a:p>
+        </p:txBody>
+      </p:sp>
+      <p:sp>
+        <p:nvSpPr>
+          <p:cNvPr id="18" name="Rounded Rectangle 17"/>
+          <p:cNvSpPr/>
+          <p:nvPr/>
+        </p:nvSpPr>
+        <p:spPr>
+          <a:xfrm>
+            <a:off x="2743200" y="5181600"/>
+            <a:ext cx="3352800" cy="609600"/>
+          </a:xfrm>
+          <a:prstGeom prst="roundRect">
+            <a:avLst/>
+          </a:prstGeom>
+        </p:spPr>
+        <p:style>
+          <a:lnRef idx="2">
+            <a:schemeClr val="accent6">
+              <a:shade val="50000"/>
+            </a:schemeClr>
+          </a:lnRef>
+          <a:fillRef idx="1">
+            <a:schemeClr val="accent6"/>
+          </a:fillRef>
+          <a:effectRef idx="0">
+            <a:schemeClr val="accent6"/>
+          </a:effectRef>
+          <a:fontRef idx="minor">
+            <a:schemeClr val="lt1"/>
+          </a:fontRef>
+        </p:style>
+        <p:txBody>
+          <a:bodyPr rtlCol="1" anchor="ctr"/>
+          <a:lstStyle/>
+          <a:p>
+            <a:pPr algn="ctr"/>
+            <a:r>
+              <a:rPr lang="he-IL" sz="2800" b="1" dirty="0" smtClean="0"/>
+              <a:t>כיתה ח' 2</a:t>
+            </a:r>
+            <a:endParaRPr lang="he-IL" sz="2800" b="1" dirty="0"/>
+          </a:p>
+        </p:txBody>
+      </p:sp>
+      <p:sp>
+        <p:nvSpPr>
+          <p:cNvPr id="19" name="Rounded Rectangle 18"/>
+          <p:cNvSpPr/>
+          <p:nvPr/>
+        </p:nvSpPr>
+        <p:spPr>
+          <a:xfrm>
+            <a:off x="2743200" y="5791200"/>
+            <a:ext cx="3352800" cy="609600"/>
+          </a:xfrm>
+          <a:prstGeom prst="roundRect">
+            <a:avLst/>
+          </a:prstGeom>
+        </p:spPr>
+        <p:style>
+          <a:lnRef idx="2">
+            <a:schemeClr val="accent6">
+              <a:shade val="50000"/>
+            </a:schemeClr>
+          </a:lnRef>
+          <a:fillRef idx="1">
+            <a:schemeClr val="accent6"/>
+          </a:fillRef>
+          <a:effectRef idx="0">
+            <a:schemeClr val="accent6"/>
+          </a:effectRef>
+          <a:fontRef idx="minor">
+            <a:schemeClr val="lt1"/>
+          </a:fontRef>
+        </p:style>
+        <p:txBody>
+          <a:bodyPr rtlCol="1" anchor="ctr"/>
+          <a:lstStyle/>
+          <a:p>
+            <a:pPr algn="ctr"/>
+            <a:r>
+              <a:rPr lang="he-IL" sz="2800" b="1" dirty="0" smtClean="0"/>
+              <a:t>כיתה ט' 1</a:t>
+            </a:r>
+            <a:endParaRPr lang="he-IL" sz="2800" b="1" dirty="0"/>
+          </a:p>
+        </p:txBody>
+      </p:sp>
+    </p:spTree>
+  </p:cSld>
+  <p:clrMapOvr>
+    <a:masterClrMapping/>
+  </p:clrMapOvr>
+</p:sld>
+</file>
+
+<file path=ppt/slides/slide21.xml><?xml version="1.0" encoding="utf-8"?>
+<p:sld xmlns:a="http://schemas.openxmlformats.org/drawingml/2006/main" xmlns:r="http://schemas.openxmlformats.org/officeDocument/2006/relationships" xmlns:p="http://schemas.openxmlformats.org/presentationml/2006/main">
+  <p:cSld>
+    <p:spTree>
+      <p:nvGrpSpPr>
+        <p:cNvPr id="1" name=""/>
+        <p:cNvGrpSpPr/>
+        <p:nvPr/>
+      </p:nvGrpSpPr>
+      <p:grpSpPr>
+        <a:xfrm>
+          <a:off x="0" y="0"/>
+          <a:ext cx="0" cy="0"/>
+          <a:chOff x="0" y="0"/>
+          <a:chExt cx="0" cy="0"/>
+        </a:xfrm>
+      </p:grpSpPr>
+      <p:pic>
+        <p:nvPicPr>
+          <p:cNvPr id="4" name="Picture 3" descr="1a.png"/>
+          <p:cNvPicPr>
+            <a:picLocks noChangeAspect="1"/>
+          </p:cNvPicPr>
+          <p:nvPr/>
+        </p:nvPicPr>
+        <p:blipFill>
+          <a:blip r:embed="rId2" cstate="print"/>
+          <a:stretch>
+            <a:fillRect/>
+          </a:stretch>
+        </p:blipFill>
+        <p:spPr>
+          <a:xfrm>
+            <a:off x="2438400" y="0"/>
+            <a:ext cx="4762500" cy="2743200"/>
+          </a:xfrm>
+          <a:prstGeom prst="rect">
+            <a:avLst/>
+          </a:prstGeom>
+        </p:spPr>
+      </p:pic>
+      <p:sp>
+        <p:nvSpPr>
+          <p:cNvPr id="9" name="Rounded Rectangle 8"/>
+          <p:cNvSpPr/>
+          <p:nvPr/>
+        </p:nvSpPr>
+        <p:spPr>
+          <a:xfrm>
+            <a:off x="2971800" y="2286000"/>
+            <a:ext cx="2895600" cy="609600"/>
+          </a:xfrm>
+          <a:prstGeom prst="roundRect">
+            <a:avLst/>
+          </a:prstGeom>
+        </p:spPr>
+        <p:style>
+          <a:lnRef idx="3">
+            <a:schemeClr val="lt1"/>
+          </a:lnRef>
+          <a:fillRef idx="1">
+            <a:schemeClr val="accent3"/>
+          </a:fillRef>
+          <a:effectRef idx="1">
+            <a:schemeClr val="accent3"/>
+          </a:effectRef>
+          <a:fontRef idx="minor">
+            <a:schemeClr val="lt1"/>
+          </a:fontRef>
+        </p:style>
+        <p:txBody>
+          <a:bodyPr rtlCol="1" anchor="ctr"/>
+          <a:lstStyle/>
+          <a:p>
+            <a:pPr algn="ctr"/>
+            <a:r>
+              <a:rPr lang="he-IL" sz="2800" b="1" dirty="0" smtClean="0"/>
+              <a:t>כיתה ז' 1</a:t>
+            </a:r>
+            <a:endParaRPr lang="he-IL" sz="2800" b="1" dirty="0"/>
+          </a:p>
+        </p:txBody>
+      </p:sp>
+      <p:sp>
+        <p:nvSpPr>
+          <p:cNvPr id="11" name="Rounded Rectangle 10"/>
+          <p:cNvSpPr/>
+          <p:nvPr/>
+        </p:nvSpPr>
+        <p:spPr>
+          <a:xfrm>
+            <a:off x="152400" y="152400"/>
+            <a:ext cx="1371600" cy="457200"/>
+          </a:xfrm>
+          <a:prstGeom prst="roundRect">
+            <a:avLst/>
+          </a:prstGeom>
+        </p:spPr>
+        <p:style>
+          <a:lnRef idx="0">
+            <a:schemeClr val="accent2"/>
+          </a:lnRef>
+          <a:fillRef idx="3">
+            <a:schemeClr val="accent2"/>
+          </a:fillRef>
+          <a:effectRef idx="3">
+            <a:schemeClr val="accent2"/>
+          </a:effectRef>
+          <a:fontRef idx="minor">
+            <a:schemeClr val="lt1"/>
+          </a:fontRef>
+        </p:style>
+        <p:txBody>
+          <a:bodyPr rtlCol="1" anchor="ctr"/>
+          <a:lstStyle/>
+          <a:p>
+            <a:pPr algn="ctr"/>
+            <a:r>
+              <a:rPr lang="he-IL" sz="2000" b="1" dirty="0" smtClean="0"/>
+              <a:t>התנתק</a:t>
+            </a:r>
+            <a:endParaRPr lang="he-IL" sz="2000" b="1" dirty="0"/>
+          </a:p>
+        </p:txBody>
+      </p:sp>
+      <p:sp>
+        <p:nvSpPr>
+          <p:cNvPr id="12" name="Right Arrow 11"/>
+          <p:cNvSpPr/>
+          <p:nvPr/>
+        </p:nvSpPr>
+        <p:spPr>
+          <a:xfrm>
+            <a:off x="7924800" y="381000"/>
+            <a:ext cx="1143000" cy="762000"/>
+          </a:xfrm>
+          <a:prstGeom prst="rightArrow">
+            <a:avLst/>
+          </a:prstGeom>
+        </p:spPr>
+        <p:style>
+          <a:lnRef idx="0">
+            <a:schemeClr val="accent2"/>
+          </a:lnRef>
+          <a:fillRef idx="3">
+            <a:schemeClr val="accent2"/>
+          </a:fillRef>
+          <a:effectRef idx="3">
+            <a:schemeClr val="accent2"/>
+          </a:effectRef>
+          <a:fontRef idx="minor">
+            <a:schemeClr val="lt1"/>
+          </a:fontRef>
+        </p:style>
+        <p:txBody>
+          <a:bodyPr rtlCol="1" anchor="ctr"/>
+          <a:lstStyle/>
+          <a:p>
+            <a:pPr algn="ctr"/>
+            <a:r>
+              <a:rPr lang="he-IL" b="1" dirty="0" smtClean="0"/>
+              <a:t>חזור</a:t>
+            </a:r>
+            <a:endParaRPr lang="he-IL" b="1" dirty="0"/>
+          </a:p>
+        </p:txBody>
+      </p:sp>
+      <p:sp>
+        <p:nvSpPr>
+          <p:cNvPr id="15" name="Rounded Rectangle 14"/>
+          <p:cNvSpPr/>
+          <p:nvPr/>
+        </p:nvSpPr>
+        <p:spPr>
+          <a:xfrm>
+            <a:off x="2743200" y="3124200"/>
+            <a:ext cx="3352800" cy="609600"/>
+          </a:xfrm>
+          <a:prstGeom prst="roundRect">
+            <a:avLst/>
+          </a:prstGeom>
+        </p:spPr>
+        <p:style>
+          <a:lnRef idx="2">
+            <a:schemeClr val="accent6">
+              <a:shade val="50000"/>
+            </a:schemeClr>
+          </a:lnRef>
+          <a:fillRef idx="1">
+            <a:schemeClr val="accent6"/>
+          </a:fillRef>
+          <a:effectRef idx="0">
+            <a:schemeClr val="accent6"/>
+          </a:effectRef>
+          <a:fontRef idx="minor">
+            <a:schemeClr val="lt1"/>
+          </a:fontRef>
+        </p:style>
+        <p:txBody>
+          <a:bodyPr rtlCol="1" anchor="ctr"/>
+          <a:lstStyle/>
+          <a:p>
+            <a:pPr algn="ctr"/>
+            <a:r>
+              <a:rPr lang="he-IL" sz="2800" b="1" dirty="0" smtClean="0"/>
+              <a:t>תלמיד א'</a:t>
+            </a:r>
+            <a:endParaRPr lang="he-IL" sz="2800" b="1" dirty="0"/>
+          </a:p>
+        </p:txBody>
+      </p:sp>
+      <p:sp>
+        <p:nvSpPr>
+          <p:cNvPr id="16" name="Rounded Rectangle 15"/>
+          <p:cNvSpPr/>
+          <p:nvPr/>
+        </p:nvSpPr>
+        <p:spPr>
+          <a:xfrm>
+            <a:off x="2743200" y="3733800"/>
+            <a:ext cx="3352800" cy="609600"/>
+          </a:xfrm>
+          <a:prstGeom prst="roundRect">
+            <a:avLst/>
+          </a:prstGeom>
+        </p:spPr>
+        <p:style>
+          <a:lnRef idx="2">
+            <a:schemeClr val="accent6">
+              <a:shade val="50000"/>
+            </a:schemeClr>
+          </a:lnRef>
+          <a:fillRef idx="1">
+            <a:schemeClr val="accent6"/>
+          </a:fillRef>
+          <a:effectRef idx="0">
+            <a:schemeClr val="accent6"/>
+          </a:effectRef>
+          <a:fontRef idx="minor">
+            <a:schemeClr val="lt1"/>
+          </a:fontRef>
+        </p:style>
+        <p:txBody>
+          <a:bodyPr rtlCol="1" anchor="ctr"/>
+          <a:lstStyle/>
+          <a:p>
+            <a:pPr algn="ctr"/>
+            <a:r>
+              <a:rPr lang="he-IL" sz="2800" b="1" dirty="0" smtClean="0"/>
+              <a:t>תלמיד ב'</a:t>
+            </a:r>
+            <a:endParaRPr lang="he-IL" sz="2800" b="1" dirty="0"/>
+          </a:p>
+        </p:txBody>
+      </p:sp>
+      <p:sp>
+        <p:nvSpPr>
+          <p:cNvPr id="17" name="Rounded Rectangle 16"/>
+          <p:cNvSpPr/>
+          <p:nvPr/>
+        </p:nvSpPr>
+        <p:spPr>
+          <a:xfrm>
+            <a:off x="2743200" y="4343400"/>
+            <a:ext cx="3352800" cy="609600"/>
+          </a:xfrm>
+          <a:prstGeom prst="roundRect">
+            <a:avLst/>
+          </a:prstGeom>
+        </p:spPr>
+        <p:style>
+          <a:lnRef idx="2">
+            <a:schemeClr val="accent6">
+              <a:shade val="50000"/>
+            </a:schemeClr>
+          </a:lnRef>
+          <a:fillRef idx="1">
+            <a:schemeClr val="accent6"/>
+          </a:fillRef>
+          <a:effectRef idx="0">
+            <a:schemeClr val="accent6"/>
+          </a:effectRef>
+          <a:fontRef idx="minor">
+            <a:schemeClr val="lt1"/>
+          </a:fontRef>
+        </p:style>
+        <p:txBody>
+          <a:bodyPr rtlCol="1" anchor="ctr"/>
+          <a:lstStyle/>
+          <a:p>
+            <a:pPr algn="ctr"/>
+            <a:r>
+              <a:rPr lang="he-IL" sz="2800" b="1" dirty="0" smtClean="0"/>
+              <a:t>תלמיד ג'</a:t>
+            </a:r>
+            <a:endParaRPr lang="he-IL" sz="2800" b="1" dirty="0"/>
+          </a:p>
+        </p:txBody>
+      </p:sp>
+      <p:sp>
+        <p:nvSpPr>
+          <p:cNvPr id="18" name="Rounded Rectangle 17"/>
+          <p:cNvSpPr/>
+          <p:nvPr/>
+        </p:nvSpPr>
+        <p:spPr>
+          <a:xfrm>
+            <a:off x="2743200" y="4953000"/>
+            <a:ext cx="3352800" cy="609600"/>
+          </a:xfrm>
+          <a:prstGeom prst="roundRect">
+            <a:avLst/>
+          </a:prstGeom>
+        </p:spPr>
+        <p:style>
+          <a:lnRef idx="2">
+            <a:schemeClr val="accent6">
+              <a:shade val="50000"/>
+            </a:schemeClr>
+          </a:lnRef>
+          <a:fillRef idx="1">
+            <a:schemeClr val="accent6"/>
+          </a:fillRef>
+          <a:effectRef idx="0">
+            <a:schemeClr val="accent6"/>
+          </a:effectRef>
+          <a:fontRef idx="minor">
+            <a:schemeClr val="lt1"/>
+          </a:fontRef>
+        </p:style>
+        <p:txBody>
+          <a:bodyPr rtlCol="1" anchor="ctr"/>
+          <a:lstStyle/>
+          <a:p>
+            <a:pPr algn="ctr"/>
+            <a:r>
+              <a:rPr lang="he-IL" sz="2800" b="1" dirty="0" smtClean="0"/>
+              <a:t>תלמיד ד'</a:t>
+            </a:r>
+            <a:endParaRPr lang="he-IL" sz="2800" b="1" dirty="0"/>
+          </a:p>
+        </p:txBody>
+      </p:sp>
+      <p:sp>
+        <p:nvSpPr>
+          <p:cNvPr id="19" name="Rounded Rectangle 18"/>
+          <p:cNvSpPr/>
+          <p:nvPr/>
+        </p:nvSpPr>
+        <p:spPr>
+          <a:xfrm>
+            <a:off x="2743200" y="5638800"/>
+            <a:ext cx="3352800" cy="609600"/>
+          </a:xfrm>
+          <a:prstGeom prst="roundRect">
+            <a:avLst/>
+          </a:prstGeom>
+        </p:spPr>
+        <p:style>
+          <a:lnRef idx="0">
+            <a:schemeClr val="accent2"/>
+          </a:lnRef>
+          <a:fillRef idx="3">
+            <a:schemeClr val="accent2"/>
+          </a:fillRef>
+          <a:effectRef idx="3">
+            <a:schemeClr val="accent2"/>
+          </a:effectRef>
+          <a:fontRef idx="minor">
+            <a:schemeClr val="lt1"/>
+          </a:fontRef>
+        </p:style>
+        <p:txBody>
+          <a:bodyPr rtlCol="1" anchor="ctr"/>
+          <a:lstStyle/>
+          <a:p>
+            <a:pPr algn="ctr"/>
+            <a:r>
+              <a:rPr lang="he-IL" sz="2800" b="1" dirty="0" smtClean="0"/>
+              <a:t>עריכת פרטי הכיתה</a:t>
+            </a:r>
+            <a:endParaRPr lang="he-IL" sz="2800" b="1" dirty="0"/>
+          </a:p>
+        </p:txBody>
+      </p:sp>
+    </p:spTree>
+  </p:cSld>
+  <p:clrMapOvr>
+    <a:masterClrMapping/>
+  </p:clrMapOvr>
+</p:sld>
+</file>
+
+<file path=ppt/slides/slide22.xml><?xml version="1.0" encoding="utf-8"?>
+<p:sld xmlns:a="http://schemas.openxmlformats.org/drawingml/2006/main" xmlns:r="http://schemas.openxmlformats.org/officeDocument/2006/relationships" xmlns:p="http://schemas.openxmlformats.org/presentationml/2006/main">
+  <p:cSld>
+    <p:spTree>
+      <p:nvGrpSpPr>
+        <p:cNvPr id="1" name=""/>
+        <p:cNvGrpSpPr/>
+        <p:nvPr/>
+      </p:nvGrpSpPr>
+      <p:grpSpPr>
+        <a:xfrm>
+          <a:off x="0" y="0"/>
+          <a:ext cx="0" cy="0"/>
+          <a:chOff x="0" y="0"/>
+          <a:chExt cx="0" cy="0"/>
+        </a:xfrm>
+      </p:grpSpPr>
+      <p:pic>
+        <p:nvPicPr>
+          <p:cNvPr id="4" name="Picture 3" descr="1a.png"/>
+          <p:cNvPicPr>
+            <a:picLocks noChangeAspect="1"/>
+          </p:cNvPicPr>
+          <p:nvPr/>
+        </p:nvPicPr>
+        <p:blipFill>
+          <a:blip r:embed="rId2" cstate="print"/>
+          <a:stretch>
+            <a:fillRect/>
+          </a:stretch>
+        </p:blipFill>
+        <p:spPr>
+          <a:xfrm>
+            <a:off x="2438400" y="0"/>
+            <a:ext cx="4762500" cy="2743200"/>
+          </a:xfrm>
+          <a:prstGeom prst="rect">
+            <a:avLst/>
+          </a:prstGeom>
+        </p:spPr>
+      </p:pic>
+      <p:sp>
+        <p:nvSpPr>
+          <p:cNvPr id="9" name="Rounded Rectangle 8"/>
+          <p:cNvSpPr/>
+          <p:nvPr/>
+        </p:nvSpPr>
+        <p:spPr>
+          <a:xfrm>
+            <a:off x="2971800" y="2286000"/>
+            <a:ext cx="2895600" cy="609600"/>
+          </a:xfrm>
+          <a:prstGeom prst="roundRect">
+            <a:avLst/>
+          </a:prstGeom>
+        </p:spPr>
+        <p:style>
+          <a:lnRef idx="3">
+            <a:schemeClr val="lt1"/>
+          </a:lnRef>
+          <a:fillRef idx="1">
+            <a:schemeClr val="accent3"/>
+          </a:fillRef>
+          <a:effectRef idx="1">
+            <a:schemeClr val="accent3"/>
+          </a:effectRef>
+          <a:fontRef idx="minor">
+            <a:schemeClr val="lt1"/>
+          </a:fontRef>
+        </p:style>
+        <p:txBody>
+          <a:bodyPr rtlCol="1" anchor="ctr"/>
+          <a:lstStyle/>
+          <a:p>
+            <a:pPr algn="ctr"/>
+            <a:r>
+              <a:rPr lang="he-IL" sz="2800" b="1" dirty="0" smtClean="0"/>
+              <a:t>כיתה ז' 1</a:t>
+            </a:r>
+            <a:endParaRPr lang="he-IL" sz="2800" b="1" dirty="0"/>
+          </a:p>
+        </p:txBody>
+      </p:sp>
+      <p:sp>
+        <p:nvSpPr>
+          <p:cNvPr id="11" name="Rounded Rectangle 10"/>
+          <p:cNvSpPr/>
+          <p:nvPr/>
+        </p:nvSpPr>
+        <p:spPr>
+          <a:xfrm>
+            <a:off x="152400" y="152400"/>
+            <a:ext cx="1371600" cy="457200"/>
+          </a:xfrm>
+          <a:prstGeom prst="roundRect">
+            <a:avLst/>
+          </a:prstGeom>
+        </p:spPr>
+        <p:style>
+          <a:lnRef idx="0">
+            <a:schemeClr val="accent2"/>
+          </a:lnRef>
+          <a:fillRef idx="3">
+            <a:schemeClr val="accent2"/>
+          </a:fillRef>
+          <a:effectRef idx="3">
+            <a:schemeClr val="accent2"/>
+          </a:effectRef>
+          <a:fontRef idx="minor">
+            <a:schemeClr val="lt1"/>
+          </a:fontRef>
+        </p:style>
+        <p:txBody>
+          <a:bodyPr rtlCol="1" anchor="ctr"/>
+          <a:lstStyle/>
+          <a:p>
+            <a:pPr algn="ctr"/>
+            <a:r>
+              <a:rPr lang="he-IL" sz="2000" b="1" dirty="0" smtClean="0"/>
+              <a:t>התנתק</a:t>
+            </a:r>
+            <a:endParaRPr lang="he-IL" sz="2000" b="1" dirty="0"/>
+          </a:p>
+        </p:txBody>
+      </p:sp>
+      <p:sp>
+        <p:nvSpPr>
+          <p:cNvPr id="12" name="Right Arrow 11"/>
+          <p:cNvSpPr/>
+          <p:nvPr/>
+        </p:nvSpPr>
+        <p:spPr>
+          <a:xfrm>
+            <a:off x="7924800" y="381000"/>
+            <a:ext cx="1143000" cy="762000"/>
+          </a:xfrm>
+          <a:prstGeom prst="rightArrow">
+            <a:avLst/>
+          </a:prstGeom>
+        </p:spPr>
+        <p:style>
+          <a:lnRef idx="0">
+            <a:schemeClr val="accent2"/>
+          </a:lnRef>
+          <a:fillRef idx="3">
+            <a:schemeClr val="accent2"/>
+          </a:fillRef>
+          <a:effectRef idx="3">
+            <a:schemeClr val="accent2"/>
+          </a:effectRef>
+          <a:fontRef idx="minor">
+            <a:schemeClr val="lt1"/>
+          </a:fontRef>
+        </p:style>
+        <p:txBody>
+          <a:bodyPr rtlCol="1" anchor="ctr"/>
+          <a:lstStyle/>
+          <a:p>
+            <a:pPr algn="ctr"/>
+            <a:r>
+              <a:rPr lang="he-IL" b="1" dirty="0" smtClean="0"/>
+              <a:t>חזור</a:t>
+            </a:r>
+            <a:endParaRPr lang="he-IL" b="1" dirty="0"/>
+          </a:p>
+        </p:txBody>
+      </p:sp>
+      <p:sp>
+        <p:nvSpPr>
+          <p:cNvPr id="15" name="Rounded Rectangle 14"/>
+          <p:cNvSpPr/>
+          <p:nvPr/>
+        </p:nvSpPr>
+        <p:spPr>
+          <a:xfrm>
+            <a:off x="2743200" y="4038600"/>
+            <a:ext cx="3352800" cy="609600"/>
+          </a:xfrm>
+          <a:prstGeom prst="roundRect">
+            <a:avLst/>
+          </a:prstGeom>
+        </p:spPr>
+        <p:style>
+          <a:lnRef idx="2">
+            <a:schemeClr val="accent6">
+              <a:shade val="50000"/>
+            </a:schemeClr>
+          </a:lnRef>
+          <a:fillRef idx="1">
+            <a:schemeClr val="accent6"/>
+          </a:fillRef>
+          <a:effectRef idx="0">
+            <a:schemeClr val="accent6"/>
+          </a:effectRef>
+          <a:fontRef idx="minor">
+            <a:schemeClr val="lt1"/>
+          </a:fontRef>
+        </p:style>
+        <p:txBody>
+          <a:bodyPr rtlCol="1" anchor="ctr"/>
+          <a:lstStyle/>
+          <a:p>
+            <a:pPr algn="ctr"/>
+            <a:r>
+              <a:rPr lang="he-IL" sz="2800" b="1" dirty="0" smtClean="0"/>
+              <a:t>הוסף תלמיד</a:t>
+            </a:r>
+            <a:endParaRPr lang="he-IL" sz="2800" b="1" dirty="0"/>
+          </a:p>
+        </p:txBody>
+      </p:sp>
+      <p:sp>
+        <p:nvSpPr>
+          <p:cNvPr id="16" name="Rounded Rectangle 15"/>
+          <p:cNvSpPr/>
+          <p:nvPr/>
+        </p:nvSpPr>
+        <p:spPr>
+          <a:xfrm>
+            <a:off x="2743200" y="4648200"/>
+            <a:ext cx="3352800" cy="609600"/>
+          </a:xfrm>
+          <a:prstGeom prst="roundRect">
+            <a:avLst/>
+          </a:prstGeom>
+        </p:spPr>
+        <p:style>
+          <a:lnRef idx="2">
+            <a:schemeClr val="accent6">
+              <a:shade val="50000"/>
+            </a:schemeClr>
+          </a:lnRef>
+          <a:fillRef idx="1">
+            <a:schemeClr val="accent6"/>
+          </a:fillRef>
+          <a:effectRef idx="0">
+            <a:schemeClr val="accent6"/>
+          </a:effectRef>
+          <a:fontRef idx="minor">
+            <a:schemeClr val="lt1"/>
+          </a:fontRef>
+        </p:style>
+        <p:txBody>
+          <a:bodyPr rtlCol="1" anchor="ctr"/>
+          <a:lstStyle/>
+          <a:p>
+            <a:pPr algn="ctr"/>
+            <a:r>
+              <a:rPr lang="he-IL" sz="2800" b="1" dirty="0" smtClean="0"/>
+              <a:t>הסר תלמיד</a:t>
+            </a:r>
+            <a:endParaRPr lang="he-IL" sz="2800" b="1" dirty="0"/>
+          </a:p>
+        </p:txBody>
+      </p:sp>
+      <p:sp>
+        <p:nvSpPr>
+          <p:cNvPr id="19" name="Rounded Rectangle 18"/>
+          <p:cNvSpPr/>
+          <p:nvPr/>
+        </p:nvSpPr>
+        <p:spPr>
+          <a:xfrm>
+            <a:off x="2743200" y="2895600"/>
+            <a:ext cx="3352800" cy="609600"/>
+          </a:xfrm>
+          <a:prstGeom prst="roundRect">
+            <a:avLst/>
+          </a:prstGeom>
+        </p:spPr>
+        <p:style>
+          <a:lnRef idx="0">
+            <a:schemeClr val="accent2"/>
+          </a:lnRef>
+          <a:fillRef idx="3">
+            <a:schemeClr val="accent2"/>
+          </a:fillRef>
+          <a:effectRef idx="3">
+            <a:schemeClr val="accent2"/>
+          </a:effectRef>
+          <a:fontRef idx="minor">
+            <a:schemeClr val="lt1"/>
+          </a:fontRef>
+        </p:style>
+        <p:txBody>
+          <a:bodyPr rtlCol="1" anchor="ctr"/>
+          <a:lstStyle/>
+          <a:p>
+            <a:pPr algn="ctr"/>
+            <a:r>
+              <a:rPr lang="he-IL" sz="2800" b="1" dirty="0" smtClean="0"/>
+              <a:t>עריכת פרטי הכיתה</a:t>
+            </a:r>
+            <a:endParaRPr lang="he-IL" sz="2800" b="1" dirty="0"/>
+          </a:p>
+        </p:txBody>
+      </p:sp>
+    </p:spTree>
+  </p:cSld>
+  <p:clrMapOvr>
+    <a:masterClrMapping/>
+  </p:clrMapOvr>
+</p:sld>
+</file>
+
+<file path=ppt/slides/slide23.xml><?xml version="1.0" encoding="utf-8"?>
+<p:sld xmlns:a="http://schemas.openxmlformats.org/drawingml/2006/main" xmlns:r="http://schemas.openxmlformats.org/officeDocument/2006/relationships" xmlns:p="http://schemas.openxmlformats.org/presentationml/2006/main">
+  <p:cSld>
+    <p:spTree>
+      <p:nvGrpSpPr>
+        <p:cNvPr id="1" name=""/>
+        <p:cNvGrpSpPr/>
+        <p:nvPr/>
+      </p:nvGrpSpPr>
+      <p:grpSpPr>
+        <a:xfrm>
+          <a:off x="0" y="0"/>
+          <a:ext cx="0" cy="0"/>
+          <a:chOff x="0" y="0"/>
+          <a:chExt cx="0" cy="0"/>
+        </a:xfrm>
+      </p:grpSpPr>
+      <p:pic>
+        <p:nvPicPr>
+          <p:cNvPr id="4" name="Picture 3" descr="1a.png"/>
+          <p:cNvPicPr>
+            <a:picLocks noChangeAspect="1"/>
+          </p:cNvPicPr>
+          <p:nvPr/>
+        </p:nvPicPr>
+        <p:blipFill>
+          <a:blip r:embed="rId2" cstate="print"/>
+          <a:stretch>
+            <a:fillRect/>
+          </a:stretch>
+        </p:blipFill>
+        <p:spPr>
+          <a:xfrm>
+            <a:off x="2438400" y="0"/>
+            <a:ext cx="4762500" cy="2743200"/>
+          </a:xfrm>
+          <a:prstGeom prst="rect">
+            <a:avLst/>
+          </a:prstGeom>
+        </p:spPr>
+      </p:pic>
+      <p:sp>
+        <p:nvSpPr>
+          <p:cNvPr id="8" name="Rounded Rectangle 7"/>
+          <p:cNvSpPr/>
+          <p:nvPr/>
+        </p:nvSpPr>
+        <p:spPr>
+          <a:xfrm>
+            <a:off x="2971800" y="2362200"/>
+            <a:ext cx="2895600" cy="609600"/>
+          </a:xfrm>
+          <a:prstGeom prst="roundRect">
+            <a:avLst/>
+          </a:prstGeom>
+        </p:spPr>
+        <p:style>
+          <a:lnRef idx="3">
+            <a:schemeClr val="lt1"/>
+          </a:lnRef>
+          <a:fillRef idx="1">
+            <a:schemeClr val="accent3"/>
+          </a:fillRef>
+          <a:effectRef idx="1">
+            <a:schemeClr val="accent3"/>
+          </a:effectRef>
+          <a:fontRef idx="minor">
+            <a:schemeClr val="lt1"/>
+          </a:fontRef>
+        </p:style>
+        <p:txBody>
+          <a:bodyPr rtlCol="1" anchor="ctr"/>
+          <a:lstStyle/>
+          <a:p>
+            <a:pPr algn="ctr"/>
+            <a:r>
+              <a:rPr lang="he-IL" sz="2800" b="1" dirty="0" smtClean="0"/>
+              <a:t>רשימת מורים</a:t>
+            </a:r>
+            <a:endParaRPr lang="he-IL" sz="2800" b="1" dirty="0"/>
+          </a:p>
+        </p:txBody>
+      </p:sp>
+      <p:sp>
+        <p:nvSpPr>
+          <p:cNvPr id="11" name="Rounded Rectangle 10"/>
+          <p:cNvSpPr/>
+          <p:nvPr/>
+        </p:nvSpPr>
+        <p:spPr>
+          <a:xfrm>
+            <a:off x="152400" y="152400"/>
+            <a:ext cx="1371600" cy="457200"/>
+          </a:xfrm>
+          <a:prstGeom prst="roundRect">
+            <a:avLst/>
+          </a:prstGeom>
+        </p:spPr>
+        <p:style>
+          <a:lnRef idx="0">
+            <a:schemeClr val="accent2"/>
+          </a:lnRef>
+          <a:fillRef idx="3">
+            <a:schemeClr val="accent2"/>
+          </a:fillRef>
+          <a:effectRef idx="3">
+            <a:schemeClr val="accent2"/>
+          </a:effectRef>
+          <a:fontRef idx="minor">
+            <a:schemeClr val="lt1"/>
+          </a:fontRef>
+        </p:style>
+        <p:txBody>
+          <a:bodyPr rtlCol="1" anchor="ctr"/>
+          <a:lstStyle/>
+          <a:p>
+            <a:pPr algn="ctr"/>
+            <a:r>
+              <a:rPr lang="he-IL" sz="2000" b="1" dirty="0" smtClean="0"/>
+              <a:t>התנתק</a:t>
+            </a:r>
+            <a:endParaRPr lang="he-IL" sz="2000" b="1" dirty="0"/>
+          </a:p>
+        </p:txBody>
+      </p:sp>
+      <p:sp>
+        <p:nvSpPr>
+          <p:cNvPr id="12" name="Right Arrow 11"/>
+          <p:cNvSpPr/>
+          <p:nvPr/>
+        </p:nvSpPr>
+        <p:spPr>
+          <a:xfrm>
+            <a:off x="7924800" y="381000"/>
+            <a:ext cx="1143000" cy="762000"/>
+          </a:xfrm>
+          <a:prstGeom prst="rightArrow">
+            <a:avLst/>
+          </a:prstGeom>
+        </p:spPr>
+        <p:style>
+          <a:lnRef idx="0">
+            <a:schemeClr val="accent2"/>
+          </a:lnRef>
+          <a:fillRef idx="3">
+            <a:schemeClr val="accent2"/>
+          </a:fillRef>
+          <a:effectRef idx="3">
+            <a:schemeClr val="accent2"/>
+          </a:effectRef>
+          <a:fontRef idx="minor">
+            <a:schemeClr val="lt1"/>
+          </a:fontRef>
+        </p:style>
+        <p:txBody>
+          <a:bodyPr rtlCol="1" anchor="ctr"/>
+          <a:lstStyle/>
+          <a:p>
+            <a:pPr algn="ctr"/>
+            <a:r>
+              <a:rPr lang="he-IL" b="1" dirty="0" smtClean="0"/>
+              <a:t>חזור</a:t>
+            </a:r>
+            <a:endParaRPr lang="he-IL" b="1" dirty="0"/>
+          </a:p>
+        </p:txBody>
+      </p:sp>
+      <p:sp>
+        <p:nvSpPr>
+          <p:cNvPr id="15" name="Rounded Rectangle 14"/>
+          <p:cNvSpPr/>
+          <p:nvPr/>
+        </p:nvSpPr>
+        <p:spPr>
+          <a:xfrm>
+            <a:off x="2743200" y="3352800"/>
+            <a:ext cx="3352800" cy="609600"/>
+          </a:xfrm>
+          <a:prstGeom prst="roundRect">
+            <a:avLst/>
+          </a:prstGeom>
+        </p:spPr>
+        <p:style>
+          <a:lnRef idx="2">
+            <a:schemeClr val="accent6">
+              <a:shade val="50000"/>
+            </a:schemeClr>
+          </a:lnRef>
+          <a:fillRef idx="1">
+            <a:schemeClr val="accent6"/>
+          </a:fillRef>
+          <a:effectRef idx="0">
+            <a:schemeClr val="accent6"/>
+          </a:effectRef>
+          <a:fontRef idx="minor">
+            <a:schemeClr val="lt1"/>
+          </a:fontRef>
+        </p:style>
+        <p:txBody>
+          <a:bodyPr rtlCol="1" anchor="ctr"/>
+          <a:lstStyle/>
+          <a:p>
+            <a:pPr algn="ctr"/>
+            <a:r>
+              <a:rPr lang="he-IL" sz="2800" b="1" dirty="0" smtClean="0"/>
+              <a:t>מורה א'</a:t>
+            </a:r>
+            <a:endParaRPr lang="he-IL" sz="2800" b="1" dirty="0"/>
+          </a:p>
+        </p:txBody>
+      </p:sp>
+      <p:sp>
+        <p:nvSpPr>
+          <p:cNvPr id="16" name="Rounded Rectangle 15"/>
+          <p:cNvSpPr/>
+          <p:nvPr/>
+        </p:nvSpPr>
+        <p:spPr>
+          <a:xfrm>
+            <a:off x="2743200" y="3962400"/>
+            <a:ext cx="3352800" cy="609600"/>
+          </a:xfrm>
+          <a:prstGeom prst="roundRect">
+            <a:avLst/>
+          </a:prstGeom>
+        </p:spPr>
+        <p:style>
+          <a:lnRef idx="2">
+            <a:schemeClr val="accent6">
+              <a:shade val="50000"/>
+            </a:schemeClr>
+          </a:lnRef>
+          <a:fillRef idx="1">
+            <a:schemeClr val="accent6"/>
+          </a:fillRef>
+          <a:effectRef idx="0">
+            <a:schemeClr val="accent6"/>
+          </a:effectRef>
+          <a:fontRef idx="minor">
+            <a:schemeClr val="lt1"/>
+          </a:fontRef>
+        </p:style>
+        <p:txBody>
+          <a:bodyPr rtlCol="1" anchor="ctr"/>
+          <a:lstStyle/>
+          <a:p>
+            <a:pPr algn="ctr"/>
+            <a:r>
+              <a:rPr lang="he-IL" sz="2800" b="1" dirty="0" smtClean="0"/>
+              <a:t>מורה ב'</a:t>
+            </a:r>
+            <a:endParaRPr lang="he-IL" sz="2800" b="1" dirty="0"/>
+          </a:p>
+        </p:txBody>
+      </p:sp>
+      <p:sp>
+        <p:nvSpPr>
+          <p:cNvPr id="17" name="Rounded Rectangle 16"/>
+          <p:cNvSpPr/>
+          <p:nvPr/>
+        </p:nvSpPr>
+        <p:spPr>
+          <a:xfrm>
+            <a:off x="2743200" y="4572000"/>
+            <a:ext cx="3352800" cy="609600"/>
+          </a:xfrm>
+          <a:prstGeom prst="roundRect">
+            <a:avLst/>
+          </a:prstGeom>
+        </p:spPr>
+        <p:style>
+          <a:lnRef idx="2">
+            <a:schemeClr val="accent6">
+              <a:shade val="50000"/>
+            </a:schemeClr>
+          </a:lnRef>
+          <a:fillRef idx="1">
+            <a:schemeClr val="accent6"/>
+          </a:fillRef>
+          <a:effectRef idx="0">
+            <a:schemeClr val="accent6"/>
+          </a:effectRef>
+          <a:fontRef idx="minor">
+            <a:schemeClr val="lt1"/>
+          </a:fontRef>
+        </p:style>
+        <p:txBody>
+          <a:bodyPr rtlCol="1" anchor="ctr"/>
+          <a:lstStyle/>
+          <a:p>
+            <a:pPr algn="ctr"/>
+            <a:r>
+              <a:rPr lang="he-IL" sz="2800" b="1" dirty="0" smtClean="0"/>
+              <a:t>מורה ג'</a:t>
+            </a:r>
+            <a:endParaRPr lang="he-IL" sz="2800" b="1" dirty="0"/>
+          </a:p>
+        </p:txBody>
+      </p:sp>
+      <p:sp>
+        <p:nvSpPr>
+          <p:cNvPr id="18" name="Rounded Rectangle 17"/>
+          <p:cNvSpPr/>
+          <p:nvPr/>
+        </p:nvSpPr>
+        <p:spPr>
+          <a:xfrm>
+            <a:off x="2743200" y="5181600"/>
+            <a:ext cx="3352800" cy="609600"/>
+          </a:xfrm>
+          <a:prstGeom prst="roundRect">
+            <a:avLst/>
+          </a:prstGeom>
+        </p:spPr>
+        <p:style>
+          <a:lnRef idx="2">
+            <a:schemeClr val="accent6">
+              <a:shade val="50000"/>
+            </a:schemeClr>
+          </a:lnRef>
+          <a:fillRef idx="1">
+            <a:schemeClr val="accent6"/>
+          </a:fillRef>
+          <a:effectRef idx="0">
+            <a:schemeClr val="accent6"/>
+          </a:effectRef>
+          <a:fontRef idx="minor">
+            <a:schemeClr val="lt1"/>
+          </a:fontRef>
+        </p:style>
+        <p:txBody>
+          <a:bodyPr rtlCol="1" anchor="ctr"/>
+          <a:lstStyle/>
+          <a:p>
+            <a:pPr algn="ctr"/>
+            <a:r>
+              <a:rPr lang="he-IL" sz="2800" b="1" dirty="0" smtClean="0"/>
+              <a:t>מורה ד'</a:t>
+            </a:r>
+            <a:endParaRPr lang="he-IL" sz="2800" b="1" dirty="0"/>
+          </a:p>
+        </p:txBody>
+      </p:sp>
+      <p:sp>
+        <p:nvSpPr>
+          <p:cNvPr id="19" name="Rounded Rectangle 18"/>
+          <p:cNvSpPr/>
+          <p:nvPr/>
+        </p:nvSpPr>
+        <p:spPr>
+          <a:xfrm>
+            <a:off x="2743200" y="5791200"/>
+            <a:ext cx="3352800" cy="609600"/>
+          </a:xfrm>
+          <a:prstGeom prst="roundRect">
+            <a:avLst/>
+          </a:prstGeom>
+        </p:spPr>
+        <p:style>
+          <a:lnRef idx="2">
+            <a:schemeClr val="accent6">
+              <a:shade val="50000"/>
+            </a:schemeClr>
+          </a:lnRef>
+          <a:fillRef idx="1">
+            <a:schemeClr val="accent6"/>
+          </a:fillRef>
+          <a:effectRef idx="0">
+            <a:schemeClr val="accent6"/>
+          </a:effectRef>
+          <a:fontRef idx="minor">
+            <a:schemeClr val="lt1"/>
+          </a:fontRef>
+        </p:style>
+        <p:txBody>
+          <a:bodyPr rtlCol="1" anchor="ctr"/>
+          <a:lstStyle/>
+          <a:p>
+            <a:pPr algn="ctr"/>
+            <a:r>
+              <a:rPr lang="he-IL" sz="2800" b="1" dirty="0" smtClean="0"/>
+              <a:t>מורה ה'</a:t>
+            </a:r>
+            <a:endParaRPr lang="he-IL" sz="2800" b="1" dirty="0"/>
+          </a:p>
+        </p:txBody>
+      </p:sp>
+    </p:spTree>
+  </p:cSld>
+  <p:clrMapOvr>
+    <a:masterClrMapping/>
+  </p:clrMapOvr>
+</p:sld>
+</file>
+
+<file path=ppt/slides/slide24.xml><?xml version="1.0" encoding="utf-8"?>
+<p:sld xmlns:a="http://schemas.openxmlformats.org/drawingml/2006/main" xmlns:r="http://schemas.openxmlformats.org/officeDocument/2006/relationships" xmlns:p="http://schemas.openxmlformats.org/presentationml/2006/main">
+  <p:cSld>
+    <p:spTree>
+      <p:nvGrpSpPr>
+        <p:cNvPr id="1" name=""/>
+        <p:cNvGrpSpPr/>
+        <p:nvPr/>
+      </p:nvGrpSpPr>
+      <p:grpSpPr>
+        <a:xfrm>
+          <a:off x="0" y="0"/>
+          <a:ext cx="0" cy="0"/>
+          <a:chOff x="0" y="0"/>
+          <a:chExt cx="0" cy="0"/>
+        </a:xfrm>
+      </p:grpSpPr>
+      <p:pic>
+        <p:nvPicPr>
+          <p:cNvPr id="4" name="Picture 3" descr="1a.png"/>
+          <p:cNvPicPr>
+            <a:picLocks noChangeAspect="1"/>
+          </p:cNvPicPr>
+          <p:nvPr/>
+        </p:nvPicPr>
+        <p:blipFill>
+          <a:blip r:embed="rId2" cstate="print"/>
+          <a:stretch>
+            <a:fillRect/>
+          </a:stretch>
+        </p:blipFill>
+        <p:spPr>
+          <a:xfrm>
+            <a:off x="2438400" y="0"/>
+            <a:ext cx="4762500" cy="2743200"/>
+          </a:xfrm>
+          <a:prstGeom prst="rect">
+            <a:avLst/>
+          </a:prstGeom>
+        </p:spPr>
+      </p:pic>
+      <p:sp>
+        <p:nvSpPr>
+          <p:cNvPr id="8" name="Rounded Rectangle 7"/>
+          <p:cNvSpPr/>
+          <p:nvPr/>
+        </p:nvSpPr>
+        <p:spPr>
+          <a:xfrm>
+            <a:off x="2971800" y="2362200"/>
+            <a:ext cx="2895600" cy="609600"/>
+          </a:xfrm>
+          <a:prstGeom prst="roundRect">
+            <a:avLst/>
+          </a:prstGeom>
+        </p:spPr>
+        <p:style>
+          <a:lnRef idx="3">
+            <a:schemeClr val="lt1"/>
+          </a:lnRef>
+          <a:fillRef idx="1">
+            <a:schemeClr val="accent3"/>
+          </a:fillRef>
+          <a:effectRef idx="1">
+            <a:schemeClr val="accent3"/>
+          </a:effectRef>
+          <a:fontRef idx="minor">
+            <a:schemeClr val="lt1"/>
+          </a:fontRef>
+        </p:style>
+        <p:txBody>
+          <a:bodyPr rtlCol="1" anchor="ctr"/>
+          <a:lstStyle/>
+          <a:p>
+            <a:pPr algn="ctr"/>
+            <a:r>
+              <a:rPr lang="he-IL" sz="2800" b="1" dirty="0" smtClean="0"/>
+              <a:t>מורה א'</a:t>
+            </a:r>
+            <a:endParaRPr lang="he-IL" sz="2800" b="1" dirty="0"/>
+          </a:p>
+        </p:txBody>
+      </p:sp>
+      <p:sp>
+        <p:nvSpPr>
+          <p:cNvPr id="11" name="Rounded Rectangle 10"/>
+          <p:cNvSpPr/>
+          <p:nvPr/>
+        </p:nvSpPr>
+        <p:spPr>
+          <a:xfrm>
+            <a:off x="152400" y="152400"/>
+            <a:ext cx="1371600" cy="457200"/>
+          </a:xfrm>
+          <a:prstGeom prst="roundRect">
+            <a:avLst/>
+          </a:prstGeom>
+        </p:spPr>
+        <p:style>
+          <a:lnRef idx="0">
+            <a:schemeClr val="accent2"/>
+          </a:lnRef>
+          <a:fillRef idx="3">
+            <a:schemeClr val="accent2"/>
+          </a:fillRef>
+          <a:effectRef idx="3">
+            <a:schemeClr val="accent2"/>
+          </a:effectRef>
+          <a:fontRef idx="minor">
+            <a:schemeClr val="lt1"/>
+          </a:fontRef>
+        </p:style>
+        <p:txBody>
+          <a:bodyPr rtlCol="1" anchor="ctr"/>
+          <a:lstStyle/>
+          <a:p>
+            <a:pPr algn="ctr"/>
+            <a:r>
+              <a:rPr lang="he-IL" sz="2000" b="1" dirty="0" smtClean="0"/>
+              <a:t>התנתק</a:t>
+            </a:r>
+            <a:endParaRPr lang="he-IL" sz="2000" b="1" dirty="0"/>
+          </a:p>
+        </p:txBody>
+      </p:sp>
+      <p:sp>
+        <p:nvSpPr>
+          <p:cNvPr id="12" name="Right Arrow 11"/>
+          <p:cNvSpPr/>
+          <p:nvPr/>
+        </p:nvSpPr>
+        <p:spPr>
+          <a:xfrm>
+            <a:off x="7924800" y="381000"/>
+            <a:ext cx="1143000" cy="762000"/>
+          </a:xfrm>
+          <a:prstGeom prst="rightArrow">
+            <a:avLst/>
+          </a:prstGeom>
+        </p:spPr>
+        <p:style>
+          <a:lnRef idx="0">
+            <a:schemeClr val="accent2"/>
+          </a:lnRef>
+          <a:fillRef idx="3">
+            <a:schemeClr val="accent2"/>
+          </a:fillRef>
+          <a:effectRef idx="3">
+            <a:schemeClr val="accent2"/>
+          </a:effectRef>
+          <a:fontRef idx="minor">
+            <a:schemeClr val="lt1"/>
+          </a:fontRef>
+        </p:style>
+        <p:txBody>
+          <a:bodyPr rtlCol="1" anchor="ctr"/>
+          <a:lstStyle/>
+          <a:p>
+            <a:pPr algn="ctr"/>
+            <a:r>
+              <a:rPr lang="he-IL" b="1" dirty="0" smtClean="0"/>
+              <a:t>חזור</a:t>
+            </a:r>
+            <a:endParaRPr lang="he-IL" b="1" dirty="0"/>
+          </a:p>
+        </p:txBody>
+      </p:sp>
+      <p:sp>
+        <p:nvSpPr>
+          <p:cNvPr id="15" name="Rounded Rectangle 14"/>
+          <p:cNvSpPr/>
+          <p:nvPr/>
+        </p:nvSpPr>
+        <p:spPr>
+          <a:xfrm>
+            <a:off x="2743200" y="3657600"/>
+            <a:ext cx="3352800" cy="609600"/>
+          </a:xfrm>
+          <a:prstGeom prst="roundRect">
+            <a:avLst/>
+          </a:prstGeom>
+        </p:spPr>
+        <p:style>
+          <a:lnRef idx="2">
+            <a:schemeClr val="accent6">
+              <a:shade val="50000"/>
+            </a:schemeClr>
+          </a:lnRef>
+          <a:fillRef idx="1">
+            <a:schemeClr val="accent6"/>
+          </a:fillRef>
+          <a:effectRef idx="0">
+            <a:schemeClr val="accent6"/>
+          </a:effectRef>
+          <a:fontRef idx="minor">
+            <a:schemeClr val="lt1"/>
+          </a:fontRef>
+        </p:style>
+        <p:txBody>
+          <a:bodyPr rtlCol="1" anchor="ctr"/>
+          <a:lstStyle/>
+          <a:p>
+            <a:pPr algn="ctr"/>
+            <a:r>
+              <a:rPr lang="he-IL" sz="2800" b="1" dirty="0" smtClean="0"/>
+              <a:t>כיתה ז' 2</a:t>
+            </a:r>
+            <a:endParaRPr lang="he-IL" sz="2800" b="1" dirty="0"/>
+          </a:p>
+        </p:txBody>
+      </p:sp>
+      <p:sp>
+        <p:nvSpPr>
+          <p:cNvPr id="16" name="Rounded Rectangle 15"/>
+          <p:cNvSpPr/>
+          <p:nvPr/>
+        </p:nvSpPr>
+        <p:spPr>
+          <a:xfrm>
+            <a:off x="2743200" y="4267200"/>
+            <a:ext cx="3352800" cy="609600"/>
+          </a:xfrm>
+          <a:prstGeom prst="roundRect">
+            <a:avLst/>
+          </a:prstGeom>
+        </p:spPr>
+        <p:style>
+          <a:lnRef idx="2">
+            <a:schemeClr val="accent6">
+              <a:shade val="50000"/>
+            </a:schemeClr>
+          </a:lnRef>
+          <a:fillRef idx="1">
+            <a:schemeClr val="accent6"/>
+          </a:fillRef>
+          <a:effectRef idx="0">
+            <a:schemeClr val="accent6"/>
+          </a:effectRef>
+          <a:fontRef idx="minor">
+            <a:schemeClr val="lt1"/>
+          </a:fontRef>
+        </p:style>
+        <p:txBody>
+          <a:bodyPr rtlCol="1" anchor="ctr"/>
+          <a:lstStyle/>
+          <a:p>
+            <a:pPr algn="ctr"/>
+            <a:r>
+              <a:rPr lang="he-IL" sz="2800" b="1" dirty="0" smtClean="0"/>
+              <a:t>כיתה ט' 1</a:t>
+            </a:r>
+            <a:endParaRPr lang="he-IL" sz="2800" b="1" dirty="0"/>
+          </a:p>
+        </p:txBody>
+      </p:sp>
+      <p:sp>
+        <p:nvSpPr>
+          <p:cNvPr id="13" name="Rounded Rectangle 12"/>
+          <p:cNvSpPr/>
+          <p:nvPr/>
+        </p:nvSpPr>
+        <p:spPr>
+          <a:xfrm>
+            <a:off x="2743200" y="4953000"/>
+            <a:ext cx="3352800" cy="609600"/>
+          </a:xfrm>
+          <a:prstGeom prst="roundRect">
+            <a:avLst/>
+          </a:prstGeom>
+        </p:spPr>
+        <p:style>
+          <a:lnRef idx="0">
+            <a:schemeClr val="accent2"/>
+          </a:lnRef>
+          <a:fillRef idx="3">
+            <a:schemeClr val="accent2"/>
+          </a:fillRef>
+          <a:effectRef idx="3">
+            <a:schemeClr val="accent2"/>
+          </a:effectRef>
+          <a:fontRef idx="minor">
+            <a:schemeClr val="lt1"/>
+          </a:fontRef>
+        </p:style>
+        <p:txBody>
+          <a:bodyPr rtlCol="1" anchor="ctr"/>
+          <a:lstStyle/>
+          <a:p>
+            <a:pPr algn="ctr"/>
+            <a:r>
+              <a:rPr lang="he-IL" sz="2800" b="1" dirty="0" smtClean="0"/>
+              <a:t>עריכת פרטי המורה</a:t>
+            </a:r>
+            <a:endParaRPr lang="he-IL" sz="2800" b="1" dirty="0"/>
+          </a:p>
+        </p:txBody>
+      </p:sp>
+    </p:spTree>
+  </p:cSld>
+  <p:clrMapOvr>
+    <a:masterClrMapping/>
+  </p:clrMapOvr>
+</p:sld>
+</file>
+
+<file path=ppt/slides/slide25.xml><?xml version="1.0" encoding="utf-8"?>
+<p:sld xmlns:a="http://schemas.openxmlformats.org/drawingml/2006/main" xmlns:r="http://schemas.openxmlformats.org/officeDocument/2006/relationships" xmlns:p="http://schemas.openxmlformats.org/presentationml/2006/main">
+  <p:cSld>
+    <p:spTree>
+      <p:nvGrpSpPr>
+        <p:cNvPr id="1" name=""/>
+        <p:cNvGrpSpPr/>
+        <p:nvPr/>
+      </p:nvGrpSpPr>
+      <p:grpSpPr>
+        <a:xfrm>
+          <a:off x="0" y="0"/>
+          <a:ext cx="0" cy="0"/>
+          <a:chOff x="0" y="0"/>
+          <a:chExt cx="0" cy="0"/>
+        </a:xfrm>
+      </p:grpSpPr>
+      <p:pic>
+        <p:nvPicPr>
+          <p:cNvPr id="4" name="Picture 3" descr="1a.png"/>
+          <p:cNvPicPr>
+            <a:picLocks noChangeAspect="1"/>
+          </p:cNvPicPr>
+          <p:nvPr/>
+        </p:nvPicPr>
+        <p:blipFill>
+          <a:blip r:embed="rId2" cstate="print"/>
+          <a:stretch>
+            <a:fillRect/>
+          </a:stretch>
+        </p:blipFill>
+        <p:spPr>
+          <a:xfrm>
+            <a:off x="2438400" y="0"/>
+            <a:ext cx="4762500" cy="2743200"/>
+          </a:xfrm>
+          <a:prstGeom prst="rect">
+            <a:avLst/>
+          </a:prstGeom>
+        </p:spPr>
+      </p:pic>
+      <p:sp>
+        <p:nvSpPr>
+          <p:cNvPr id="8" name="Rounded Rectangle 7"/>
+          <p:cNvSpPr/>
+          <p:nvPr/>
+        </p:nvSpPr>
+        <p:spPr>
+          <a:xfrm>
+            <a:off x="2971800" y="2362200"/>
+            <a:ext cx="2895600" cy="609600"/>
+          </a:xfrm>
+          <a:prstGeom prst="roundRect">
+            <a:avLst/>
+          </a:prstGeom>
+        </p:spPr>
+        <p:style>
+          <a:lnRef idx="3">
+            <a:schemeClr val="lt1"/>
+          </a:lnRef>
+          <a:fillRef idx="1">
+            <a:schemeClr val="accent3"/>
+          </a:fillRef>
+          <a:effectRef idx="1">
+            <a:schemeClr val="accent3"/>
+          </a:effectRef>
+          <a:fontRef idx="minor">
+            <a:schemeClr val="lt1"/>
+          </a:fontRef>
+        </p:style>
+        <p:txBody>
+          <a:bodyPr rtlCol="1" anchor="ctr"/>
+          <a:lstStyle/>
+          <a:p>
+            <a:pPr algn="ctr"/>
+            <a:r>
+              <a:rPr lang="he-IL" sz="2800" b="1" dirty="0" smtClean="0"/>
+              <a:t>מורה א'</a:t>
+            </a:r>
+            <a:endParaRPr lang="he-IL" sz="2800" b="1" dirty="0"/>
+          </a:p>
+        </p:txBody>
+      </p:sp>
+      <p:sp>
+        <p:nvSpPr>
+          <p:cNvPr id="11" name="Rounded Rectangle 10"/>
+          <p:cNvSpPr/>
+          <p:nvPr/>
+        </p:nvSpPr>
+        <p:spPr>
+          <a:xfrm>
+            <a:off x="152400" y="152400"/>
+            <a:ext cx="1371600" cy="457200"/>
+          </a:xfrm>
+          <a:prstGeom prst="roundRect">
+            <a:avLst/>
+          </a:prstGeom>
+        </p:spPr>
+        <p:style>
+          <a:lnRef idx="0">
+            <a:schemeClr val="accent2"/>
+          </a:lnRef>
+          <a:fillRef idx="3">
+            <a:schemeClr val="accent2"/>
+          </a:fillRef>
+          <a:effectRef idx="3">
+            <a:schemeClr val="accent2"/>
+          </a:effectRef>
+          <a:fontRef idx="minor">
+            <a:schemeClr val="lt1"/>
+          </a:fontRef>
+        </p:style>
+        <p:txBody>
+          <a:bodyPr rtlCol="1" anchor="ctr"/>
+          <a:lstStyle/>
+          <a:p>
+            <a:pPr algn="ctr"/>
+            <a:r>
+              <a:rPr lang="he-IL" sz="2000" b="1" dirty="0" smtClean="0"/>
+              <a:t>התנתק</a:t>
+            </a:r>
+            <a:endParaRPr lang="he-IL" sz="2000" b="1" dirty="0"/>
+          </a:p>
+        </p:txBody>
+      </p:sp>
+      <p:sp>
+        <p:nvSpPr>
+          <p:cNvPr id="12" name="Right Arrow 11"/>
+          <p:cNvSpPr/>
+          <p:nvPr/>
+        </p:nvSpPr>
+        <p:spPr>
+          <a:xfrm>
+            <a:off x="7924800" y="381000"/>
+            <a:ext cx="1143000" cy="762000"/>
+          </a:xfrm>
+          <a:prstGeom prst="rightArrow">
+            <a:avLst/>
+          </a:prstGeom>
+        </p:spPr>
+        <p:style>
+          <a:lnRef idx="0">
+            <a:schemeClr val="accent2"/>
+          </a:lnRef>
+          <a:fillRef idx="3">
+            <a:schemeClr val="accent2"/>
+          </a:fillRef>
+          <a:effectRef idx="3">
+            <a:schemeClr val="accent2"/>
+          </a:effectRef>
+          <a:fontRef idx="minor">
+            <a:schemeClr val="lt1"/>
+          </a:fontRef>
+        </p:style>
+        <p:txBody>
+          <a:bodyPr rtlCol="1" anchor="ctr"/>
+          <a:lstStyle/>
+          <a:p>
+            <a:pPr algn="ctr"/>
+            <a:r>
+              <a:rPr lang="he-IL" b="1" dirty="0" smtClean="0"/>
+              <a:t>חזור</a:t>
+            </a:r>
+            <a:endParaRPr lang="he-IL" b="1" dirty="0"/>
+          </a:p>
+        </p:txBody>
+      </p:sp>
+      <p:sp>
+        <p:nvSpPr>
+          <p:cNvPr id="15" name="Rounded Rectangle 14"/>
+          <p:cNvSpPr/>
+          <p:nvPr/>
+        </p:nvSpPr>
+        <p:spPr>
+          <a:xfrm>
+            <a:off x="2743200" y="4267200"/>
+            <a:ext cx="3352800" cy="609600"/>
+          </a:xfrm>
+          <a:prstGeom prst="roundRect">
+            <a:avLst/>
+          </a:prstGeom>
+        </p:spPr>
+        <p:style>
+          <a:lnRef idx="2">
+            <a:schemeClr val="accent6">
+              <a:shade val="50000"/>
+            </a:schemeClr>
+          </a:lnRef>
+          <a:fillRef idx="1">
+            <a:schemeClr val="accent6"/>
+          </a:fillRef>
+          <a:effectRef idx="0">
+            <a:schemeClr val="accent6"/>
+          </a:effectRef>
+          <a:fontRef idx="minor">
+            <a:schemeClr val="lt1"/>
+          </a:fontRef>
+        </p:style>
+        <p:txBody>
+          <a:bodyPr rtlCol="1" anchor="ctr"/>
+          <a:lstStyle/>
+          <a:p>
+            <a:pPr algn="ctr"/>
+            <a:r>
+              <a:rPr lang="he-IL" sz="2800" b="1" dirty="0" smtClean="0"/>
+              <a:t>הוסף כיתה</a:t>
+            </a:r>
+            <a:endParaRPr lang="he-IL" sz="2800" b="1" dirty="0"/>
+          </a:p>
+        </p:txBody>
+      </p:sp>
+      <p:sp>
+        <p:nvSpPr>
+          <p:cNvPr id="16" name="Rounded Rectangle 15"/>
+          <p:cNvSpPr/>
+          <p:nvPr/>
+        </p:nvSpPr>
+        <p:spPr>
+          <a:xfrm>
+            <a:off x="2743200" y="4876800"/>
+            <a:ext cx="3352800" cy="609600"/>
+          </a:xfrm>
+          <a:prstGeom prst="roundRect">
+            <a:avLst/>
+          </a:prstGeom>
+        </p:spPr>
+        <p:style>
+          <a:lnRef idx="2">
+            <a:schemeClr val="accent6">
+              <a:shade val="50000"/>
+            </a:schemeClr>
+          </a:lnRef>
+          <a:fillRef idx="1">
+            <a:schemeClr val="accent6"/>
+          </a:fillRef>
+          <a:effectRef idx="0">
+            <a:schemeClr val="accent6"/>
+          </a:effectRef>
+          <a:fontRef idx="minor">
+            <a:schemeClr val="lt1"/>
+          </a:fontRef>
+        </p:style>
+        <p:txBody>
+          <a:bodyPr rtlCol="1" anchor="ctr"/>
+          <a:lstStyle/>
+          <a:p>
+            <a:pPr algn="ctr"/>
+            <a:r>
+              <a:rPr lang="he-IL" sz="2800" b="1" dirty="0" smtClean="0"/>
+              <a:t>הסר כיתה</a:t>
+            </a:r>
+            <a:endParaRPr lang="he-IL" sz="2800" b="1" dirty="0"/>
+          </a:p>
+        </p:txBody>
+      </p:sp>
+      <p:sp>
+        <p:nvSpPr>
+          <p:cNvPr id="13" name="Rounded Rectangle 12"/>
+          <p:cNvSpPr/>
+          <p:nvPr/>
+        </p:nvSpPr>
+        <p:spPr>
+          <a:xfrm>
+            <a:off x="2743200" y="2971800"/>
+            <a:ext cx="3352800" cy="609600"/>
+          </a:xfrm>
+          <a:prstGeom prst="roundRect">
+            <a:avLst/>
+          </a:prstGeom>
+        </p:spPr>
+        <p:style>
+          <a:lnRef idx="0">
+            <a:schemeClr val="accent2"/>
+          </a:lnRef>
+          <a:fillRef idx="3">
+            <a:schemeClr val="accent2"/>
+          </a:fillRef>
+          <a:effectRef idx="3">
+            <a:schemeClr val="accent2"/>
+          </a:effectRef>
+          <a:fontRef idx="minor">
+            <a:schemeClr val="lt1"/>
+          </a:fontRef>
+        </p:style>
+        <p:txBody>
+          <a:bodyPr rtlCol="1" anchor="ctr"/>
+          <a:lstStyle/>
+          <a:p>
+            <a:pPr algn="ctr"/>
+            <a:r>
+              <a:rPr lang="he-IL" sz="2800" b="1" dirty="0" smtClean="0"/>
+              <a:t>עריכת פרטי המורה</a:t>
+            </a:r>
+            <a:endParaRPr lang="he-IL" sz="2800" b="1" dirty="0"/>
+          </a:p>
+        </p:txBody>
+      </p:sp>
+    </p:spTree>
+  </p:cSld>
+  <p:clrMapOvr>
+    <a:masterClrMapping/>
+  </p:clrMapOvr>
+</p:sld>
+</file>
+
+<file path=ppt/slides/slide26.xml><?xml version="1.0" encoding="utf-8"?>
+<p:sld xmlns:a="http://schemas.openxmlformats.org/drawingml/2006/main" xmlns:r="http://schemas.openxmlformats.org/officeDocument/2006/relationships" xmlns:p="http://schemas.openxmlformats.org/presentationml/2006/main">
+  <p:cSld>
+    <p:spTree>
+      <p:nvGrpSpPr>
+        <p:cNvPr id="1" name=""/>
+        <p:cNvGrpSpPr/>
+        <p:nvPr/>
+      </p:nvGrpSpPr>
+      <p:grpSpPr>
+        <a:xfrm>
+          <a:off x="0" y="0"/>
+          <a:ext cx="0" cy="0"/>
+          <a:chOff x="0" y="0"/>
+          <a:chExt cx="0" cy="0"/>
+        </a:xfrm>
+      </p:grpSpPr>
+      <p:pic>
+        <p:nvPicPr>
+          <p:cNvPr id="4" name="Picture 3" descr="1a.png"/>
+          <p:cNvPicPr>
+            <a:picLocks noChangeAspect="1"/>
+          </p:cNvPicPr>
+          <p:nvPr/>
+        </p:nvPicPr>
+        <p:blipFill>
+          <a:blip r:embed="rId2" cstate="print"/>
+          <a:stretch>
+            <a:fillRect/>
+          </a:stretch>
+        </p:blipFill>
+        <p:spPr>
+          <a:xfrm>
+            <a:off x="2438400" y="0"/>
+            <a:ext cx="4762500" cy="2743200"/>
+          </a:xfrm>
+          <a:prstGeom prst="rect">
+            <a:avLst/>
+          </a:prstGeom>
+        </p:spPr>
+      </p:pic>
+      <p:sp>
+        <p:nvSpPr>
+          <p:cNvPr id="7" name="Rounded Rectangle 6"/>
+          <p:cNvSpPr/>
+          <p:nvPr/>
+        </p:nvSpPr>
+        <p:spPr>
+          <a:xfrm>
+            <a:off x="3048000" y="2286000"/>
+            <a:ext cx="2895600" cy="609600"/>
+          </a:xfrm>
+          <a:prstGeom prst="roundRect">
+            <a:avLst/>
+          </a:prstGeom>
+        </p:spPr>
+        <p:style>
+          <a:lnRef idx="3">
+            <a:schemeClr val="lt1"/>
+          </a:lnRef>
+          <a:fillRef idx="1">
+            <a:schemeClr val="accent3"/>
+          </a:fillRef>
+          <a:effectRef idx="1">
+            <a:schemeClr val="accent3"/>
+          </a:effectRef>
+          <a:fontRef idx="minor">
+            <a:schemeClr val="lt1"/>
+          </a:fontRef>
+        </p:style>
+        <p:txBody>
+          <a:bodyPr rtlCol="1" anchor="ctr"/>
+          <a:lstStyle/>
+          <a:p>
+            <a:pPr algn="ctr"/>
+            <a:r>
+              <a:rPr lang="he-IL" sz="2800" b="1" dirty="0" smtClean="0"/>
+              <a:t>רשימת תלמידים</a:t>
+            </a:r>
+            <a:endParaRPr lang="he-IL" sz="2800" b="1" dirty="0"/>
+          </a:p>
+        </p:txBody>
+      </p:sp>
+      <p:sp>
+        <p:nvSpPr>
+          <p:cNvPr id="11" name="Rounded Rectangle 10"/>
+          <p:cNvSpPr/>
+          <p:nvPr/>
+        </p:nvSpPr>
+        <p:spPr>
+          <a:xfrm>
+            <a:off x="152400" y="152400"/>
+            <a:ext cx="1371600" cy="457200"/>
+          </a:xfrm>
+          <a:prstGeom prst="roundRect">
+            <a:avLst/>
+          </a:prstGeom>
+        </p:spPr>
+        <p:style>
+          <a:lnRef idx="0">
+            <a:schemeClr val="accent2"/>
+          </a:lnRef>
+          <a:fillRef idx="3">
+            <a:schemeClr val="accent2"/>
+          </a:fillRef>
+          <a:effectRef idx="3">
+            <a:schemeClr val="accent2"/>
+          </a:effectRef>
+          <a:fontRef idx="minor">
+            <a:schemeClr val="lt1"/>
+          </a:fontRef>
+        </p:style>
+        <p:txBody>
+          <a:bodyPr rtlCol="1" anchor="ctr"/>
+          <a:lstStyle/>
+          <a:p>
+            <a:pPr algn="ctr"/>
+            <a:r>
+              <a:rPr lang="he-IL" sz="2000" b="1" dirty="0" smtClean="0"/>
+              <a:t>התנתק</a:t>
+            </a:r>
+            <a:endParaRPr lang="he-IL" sz="2000" b="1" dirty="0"/>
+          </a:p>
+        </p:txBody>
+      </p:sp>
+      <p:sp>
+        <p:nvSpPr>
+          <p:cNvPr id="12" name="Right Arrow 11"/>
+          <p:cNvSpPr/>
+          <p:nvPr/>
+        </p:nvSpPr>
+        <p:spPr>
+          <a:xfrm>
+            <a:off x="7924800" y="381000"/>
+            <a:ext cx="1143000" cy="762000"/>
+          </a:xfrm>
+          <a:prstGeom prst="rightArrow">
+            <a:avLst/>
+          </a:prstGeom>
+        </p:spPr>
+        <p:style>
+          <a:lnRef idx="0">
+            <a:schemeClr val="accent2"/>
+          </a:lnRef>
+          <a:fillRef idx="3">
+            <a:schemeClr val="accent2"/>
+          </a:fillRef>
+          <a:effectRef idx="3">
+            <a:schemeClr val="accent2"/>
+          </a:effectRef>
+          <a:fontRef idx="minor">
+            <a:schemeClr val="lt1"/>
+          </a:fontRef>
+        </p:style>
+        <p:txBody>
+          <a:bodyPr rtlCol="1" anchor="ctr"/>
+          <a:lstStyle/>
+          <a:p>
+            <a:pPr algn="ctr"/>
+            <a:r>
+              <a:rPr lang="he-IL" b="1" dirty="0" smtClean="0"/>
+              <a:t>חזור</a:t>
+            </a:r>
+            <a:endParaRPr lang="he-IL" b="1" dirty="0"/>
+          </a:p>
+        </p:txBody>
+      </p:sp>
+      <p:sp>
+        <p:nvSpPr>
+          <p:cNvPr id="15" name="Rounded Rectangle 14"/>
+          <p:cNvSpPr/>
+          <p:nvPr/>
+        </p:nvSpPr>
+        <p:spPr>
+          <a:xfrm>
+            <a:off x="2819400" y="3352800"/>
+            <a:ext cx="3352800" cy="609600"/>
+          </a:xfrm>
+          <a:prstGeom prst="roundRect">
+            <a:avLst/>
+          </a:prstGeom>
+        </p:spPr>
+        <p:style>
+          <a:lnRef idx="2">
+            <a:schemeClr val="accent6">
+              <a:shade val="50000"/>
+            </a:schemeClr>
+          </a:lnRef>
+          <a:fillRef idx="1">
+            <a:schemeClr val="accent6"/>
+          </a:fillRef>
+          <a:effectRef idx="0">
+            <a:schemeClr val="accent6"/>
+          </a:effectRef>
+          <a:fontRef idx="minor">
+            <a:schemeClr val="lt1"/>
+          </a:fontRef>
+        </p:style>
+        <p:txBody>
+          <a:bodyPr rtlCol="1" anchor="ctr"/>
+          <a:lstStyle/>
+          <a:p>
+            <a:pPr algn="ctr"/>
+            <a:r>
+              <a:rPr lang="he-IL" sz="2800" b="1" dirty="0" smtClean="0"/>
+              <a:t>תלמיד א'</a:t>
+            </a:r>
+            <a:endParaRPr lang="he-IL" sz="2800" b="1" dirty="0"/>
+          </a:p>
+        </p:txBody>
+      </p:sp>
+      <p:sp>
+        <p:nvSpPr>
+          <p:cNvPr id="16" name="Rounded Rectangle 15"/>
+          <p:cNvSpPr/>
+          <p:nvPr/>
+        </p:nvSpPr>
+        <p:spPr>
+          <a:xfrm>
+            <a:off x="2819400" y="3962400"/>
+            <a:ext cx="3352800" cy="609600"/>
+          </a:xfrm>
+          <a:prstGeom prst="roundRect">
+            <a:avLst/>
+          </a:prstGeom>
+        </p:spPr>
+        <p:style>
+          <a:lnRef idx="2">
+            <a:schemeClr val="accent6">
+              <a:shade val="50000"/>
+            </a:schemeClr>
+          </a:lnRef>
+          <a:fillRef idx="1">
+            <a:schemeClr val="accent6"/>
+          </a:fillRef>
+          <a:effectRef idx="0">
+            <a:schemeClr val="accent6"/>
+          </a:effectRef>
+          <a:fontRef idx="minor">
+            <a:schemeClr val="lt1"/>
+          </a:fontRef>
+        </p:style>
+        <p:txBody>
+          <a:bodyPr rtlCol="1" anchor="ctr"/>
+          <a:lstStyle/>
+          <a:p>
+            <a:pPr algn="ctr"/>
+            <a:r>
+              <a:rPr lang="he-IL" sz="2800" b="1" dirty="0" smtClean="0"/>
+              <a:t>תלמיד ב'</a:t>
+            </a:r>
+            <a:endParaRPr lang="he-IL" sz="2800" b="1" dirty="0"/>
+          </a:p>
+        </p:txBody>
+      </p:sp>
+      <p:sp>
+        <p:nvSpPr>
+          <p:cNvPr id="17" name="Rounded Rectangle 16"/>
+          <p:cNvSpPr/>
+          <p:nvPr/>
+        </p:nvSpPr>
+        <p:spPr>
+          <a:xfrm>
+            <a:off x="2819400" y="4572000"/>
+            <a:ext cx="3352800" cy="609600"/>
+          </a:xfrm>
+          <a:prstGeom prst="roundRect">
+            <a:avLst/>
+          </a:prstGeom>
+        </p:spPr>
+        <p:style>
+          <a:lnRef idx="2">
+            <a:schemeClr val="accent6">
+              <a:shade val="50000"/>
+            </a:schemeClr>
+          </a:lnRef>
+          <a:fillRef idx="1">
+            <a:schemeClr val="accent6"/>
+          </a:fillRef>
+          <a:effectRef idx="0">
+            <a:schemeClr val="accent6"/>
+          </a:effectRef>
+          <a:fontRef idx="minor">
+            <a:schemeClr val="lt1"/>
+          </a:fontRef>
+        </p:style>
+        <p:txBody>
+          <a:bodyPr rtlCol="1" anchor="ctr"/>
+          <a:lstStyle/>
+          <a:p>
+            <a:pPr algn="ctr"/>
+            <a:r>
+              <a:rPr lang="he-IL" sz="2800" b="1" dirty="0" smtClean="0"/>
+              <a:t>תלמיד ג'</a:t>
+            </a:r>
+            <a:endParaRPr lang="he-IL" sz="2800" b="1" dirty="0"/>
+          </a:p>
+        </p:txBody>
+      </p:sp>
+      <p:sp>
+        <p:nvSpPr>
+          <p:cNvPr id="18" name="Rounded Rectangle 17"/>
+          <p:cNvSpPr/>
+          <p:nvPr/>
+        </p:nvSpPr>
+        <p:spPr>
+          <a:xfrm>
+            <a:off x="2819400" y="5181600"/>
+            <a:ext cx="3352800" cy="609600"/>
+          </a:xfrm>
+          <a:prstGeom prst="roundRect">
+            <a:avLst/>
+          </a:prstGeom>
+        </p:spPr>
+        <p:style>
+          <a:lnRef idx="2">
+            <a:schemeClr val="accent6">
+              <a:shade val="50000"/>
+            </a:schemeClr>
+          </a:lnRef>
+          <a:fillRef idx="1">
+            <a:schemeClr val="accent6"/>
+          </a:fillRef>
+          <a:effectRef idx="0">
+            <a:schemeClr val="accent6"/>
+          </a:effectRef>
+          <a:fontRef idx="minor">
+            <a:schemeClr val="lt1"/>
+          </a:fontRef>
+        </p:style>
+        <p:txBody>
+          <a:bodyPr rtlCol="1" anchor="ctr"/>
+          <a:lstStyle/>
+          <a:p>
+            <a:pPr algn="ctr"/>
+            <a:r>
+              <a:rPr lang="he-IL" sz="2800" b="1" dirty="0" smtClean="0"/>
+              <a:t>תלמיד ד'</a:t>
+            </a:r>
+            <a:endParaRPr lang="he-IL" sz="2800" b="1" dirty="0"/>
+          </a:p>
+        </p:txBody>
+      </p:sp>
+      <p:sp>
+        <p:nvSpPr>
+          <p:cNvPr id="19" name="Rounded Rectangle 18"/>
+          <p:cNvSpPr/>
+          <p:nvPr/>
+        </p:nvSpPr>
+        <p:spPr>
+          <a:xfrm>
+            <a:off x="2819400" y="5791200"/>
+            <a:ext cx="3352800" cy="609600"/>
+          </a:xfrm>
+          <a:prstGeom prst="roundRect">
+            <a:avLst/>
+          </a:prstGeom>
+        </p:spPr>
+        <p:style>
+          <a:lnRef idx="2">
+            <a:schemeClr val="accent6">
+              <a:shade val="50000"/>
+            </a:schemeClr>
+          </a:lnRef>
+          <a:fillRef idx="1">
+            <a:schemeClr val="accent6"/>
+          </a:fillRef>
+          <a:effectRef idx="0">
+            <a:schemeClr val="accent6"/>
+          </a:effectRef>
+          <a:fontRef idx="minor">
+            <a:schemeClr val="lt1"/>
+          </a:fontRef>
+        </p:style>
+        <p:txBody>
+          <a:bodyPr rtlCol="1" anchor="ctr"/>
+          <a:lstStyle/>
+          <a:p>
+            <a:pPr algn="ctr"/>
+            <a:r>
+              <a:rPr lang="he-IL" sz="2800" b="1" dirty="0" smtClean="0"/>
+              <a:t>תלמיד ה'</a:t>
+            </a:r>
+            <a:endParaRPr lang="he-IL" sz="2800" b="1" dirty="0"/>
+          </a:p>
+        </p:txBody>
+      </p:sp>
+    </p:spTree>
+  </p:cSld>
+  <p:clrMapOvr>
+    <a:masterClrMapping/>
+  </p:clrMapOvr>
+</p:sld>
+</file>
+
+<file path=ppt/slides/slide27.xml><?xml version="1.0" encoding="utf-8"?>
+<p:sld xmlns:a="http://schemas.openxmlformats.org/drawingml/2006/main" xmlns:r="http://schemas.openxmlformats.org/officeDocument/2006/relationships" xmlns:p="http://schemas.openxmlformats.org/presentationml/2006/main">
+  <p:cSld>
+    <p:spTree>
+      <p:nvGrpSpPr>
+        <p:cNvPr id="1" name=""/>
+        <p:cNvGrpSpPr/>
+        <p:nvPr/>
+      </p:nvGrpSpPr>
+      <p:grpSpPr>
+        <a:xfrm>
+          <a:off x="0" y="0"/>
+          <a:ext cx="0" cy="0"/>
+          <a:chOff x="0" y="0"/>
+          <a:chExt cx="0" cy="0"/>
+        </a:xfrm>
+      </p:grpSpPr>
+      <p:pic>
+        <p:nvPicPr>
+          <p:cNvPr id="4" name="Picture 3" descr="1a.png"/>
+          <p:cNvPicPr>
+            <a:picLocks noChangeAspect="1"/>
+          </p:cNvPicPr>
+          <p:nvPr/>
+        </p:nvPicPr>
+        <p:blipFill>
+          <a:blip r:embed="rId2" cstate="print"/>
+          <a:stretch>
+            <a:fillRect/>
+          </a:stretch>
+        </p:blipFill>
+        <p:spPr>
+          <a:xfrm>
+            <a:off x="2438400" y="0"/>
+            <a:ext cx="4762500" cy="2743200"/>
+          </a:xfrm>
+          <a:prstGeom prst="rect">
+            <a:avLst/>
+          </a:prstGeom>
+        </p:spPr>
+      </p:pic>
+      <p:sp>
+        <p:nvSpPr>
+          <p:cNvPr id="7" name="Rounded Rectangle 6"/>
+          <p:cNvSpPr/>
+          <p:nvPr/>
+        </p:nvSpPr>
+        <p:spPr>
+          <a:xfrm>
+            <a:off x="3048000" y="2286000"/>
+            <a:ext cx="2895600" cy="609600"/>
+          </a:xfrm>
+          <a:prstGeom prst="roundRect">
+            <a:avLst/>
+          </a:prstGeom>
+        </p:spPr>
+        <p:style>
+          <a:lnRef idx="3">
+            <a:schemeClr val="lt1"/>
+          </a:lnRef>
+          <a:fillRef idx="1">
+            <a:schemeClr val="accent3"/>
+          </a:fillRef>
+          <a:effectRef idx="1">
+            <a:schemeClr val="accent3"/>
+          </a:effectRef>
+          <a:fontRef idx="minor">
+            <a:schemeClr val="lt1"/>
+          </a:fontRef>
+        </p:style>
+        <p:txBody>
+          <a:bodyPr rtlCol="1" anchor="ctr"/>
+          <a:lstStyle/>
+          <a:p>
+            <a:pPr algn="ctr"/>
+            <a:r>
+              <a:rPr lang="he-IL" sz="2800" b="1" dirty="0" smtClean="0"/>
+              <a:t>תלמיד א'</a:t>
+            </a:r>
+            <a:endParaRPr lang="he-IL" sz="2800" b="1" dirty="0"/>
+          </a:p>
+        </p:txBody>
+      </p:sp>
+      <p:sp>
+        <p:nvSpPr>
+          <p:cNvPr id="11" name="Rounded Rectangle 10"/>
+          <p:cNvSpPr/>
+          <p:nvPr/>
+        </p:nvSpPr>
+        <p:spPr>
+          <a:xfrm>
+            <a:off x="152400" y="152400"/>
+            <a:ext cx="1371600" cy="457200"/>
+          </a:xfrm>
+          <a:prstGeom prst="roundRect">
+            <a:avLst/>
+          </a:prstGeom>
+        </p:spPr>
+        <p:style>
+          <a:lnRef idx="0">
+            <a:schemeClr val="accent2"/>
+          </a:lnRef>
+          <a:fillRef idx="3">
+            <a:schemeClr val="accent2"/>
+          </a:fillRef>
+          <a:effectRef idx="3">
+            <a:schemeClr val="accent2"/>
+          </a:effectRef>
+          <a:fontRef idx="minor">
+            <a:schemeClr val="lt1"/>
+          </a:fontRef>
+        </p:style>
+        <p:txBody>
+          <a:bodyPr rtlCol="1" anchor="ctr"/>
+          <a:lstStyle/>
+          <a:p>
+            <a:pPr algn="ctr"/>
+            <a:r>
+              <a:rPr lang="he-IL" sz="2000" b="1" dirty="0" smtClean="0"/>
+              <a:t>התנתק</a:t>
+            </a:r>
+            <a:endParaRPr lang="he-IL" sz="2000" b="1" dirty="0"/>
+          </a:p>
+        </p:txBody>
+      </p:sp>
+      <p:sp>
+        <p:nvSpPr>
+          <p:cNvPr id="12" name="Right Arrow 11"/>
+          <p:cNvSpPr/>
+          <p:nvPr/>
+        </p:nvSpPr>
+        <p:spPr>
+          <a:xfrm>
+            <a:off x="7924800" y="381000"/>
+            <a:ext cx="1143000" cy="762000"/>
+          </a:xfrm>
+          <a:prstGeom prst="rightArrow">
+            <a:avLst/>
+          </a:prstGeom>
+        </p:spPr>
+        <p:style>
+          <a:lnRef idx="0">
+            <a:schemeClr val="accent2"/>
+          </a:lnRef>
+          <a:fillRef idx="3">
+            <a:schemeClr val="accent2"/>
+          </a:fillRef>
+          <a:effectRef idx="3">
+            <a:schemeClr val="accent2"/>
+          </a:effectRef>
+          <a:fontRef idx="minor">
+            <a:schemeClr val="lt1"/>
+          </a:fontRef>
+        </p:style>
+        <p:txBody>
+          <a:bodyPr rtlCol="1" anchor="ctr"/>
+          <a:lstStyle/>
+          <a:p>
+            <a:pPr algn="ctr"/>
+            <a:r>
+              <a:rPr lang="he-IL" b="1" dirty="0" smtClean="0"/>
+              <a:t>חזור</a:t>
+            </a:r>
+            <a:endParaRPr lang="he-IL" b="1" dirty="0"/>
+          </a:p>
+        </p:txBody>
+      </p:sp>
+      <p:sp>
+        <p:nvSpPr>
+          <p:cNvPr id="15" name="Rounded Rectangle 14"/>
+          <p:cNvSpPr/>
+          <p:nvPr/>
+        </p:nvSpPr>
+        <p:spPr>
+          <a:xfrm>
+            <a:off x="2819400" y="3505200"/>
+            <a:ext cx="3352800" cy="609600"/>
+          </a:xfrm>
+          <a:prstGeom prst="roundRect">
+            <a:avLst/>
+          </a:prstGeom>
+        </p:spPr>
+        <p:style>
+          <a:lnRef idx="2">
+            <a:schemeClr val="accent6">
+              <a:shade val="50000"/>
+            </a:schemeClr>
+          </a:lnRef>
+          <a:fillRef idx="1">
+            <a:schemeClr val="accent6"/>
+          </a:fillRef>
+          <a:effectRef idx="0">
+            <a:schemeClr val="accent6"/>
+          </a:effectRef>
+          <a:fontRef idx="minor">
+            <a:schemeClr val="lt1"/>
+          </a:fontRef>
+        </p:style>
+        <p:txBody>
+          <a:bodyPr rtlCol="1" anchor="ctr"/>
+          <a:lstStyle/>
+          <a:p>
+            <a:pPr algn="ctr"/>
+            <a:r>
+              <a:rPr lang="he-IL" sz="2800" b="1" dirty="0" smtClean="0"/>
+              <a:t>כיתה ח' 2</a:t>
+            </a:r>
+            <a:endParaRPr lang="he-IL" sz="2800" b="1" dirty="0"/>
+          </a:p>
+        </p:txBody>
+      </p:sp>
+      <p:sp>
+        <p:nvSpPr>
+          <p:cNvPr id="13" name="Rounded Rectangle 12"/>
+          <p:cNvSpPr/>
+          <p:nvPr/>
+        </p:nvSpPr>
+        <p:spPr>
+          <a:xfrm>
+            <a:off x="2819400" y="4191000"/>
+            <a:ext cx="3352800" cy="609600"/>
+          </a:xfrm>
+          <a:prstGeom prst="roundRect">
+            <a:avLst/>
+          </a:prstGeom>
+        </p:spPr>
+        <p:style>
+          <a:lnRef idx="0">
+            <a:schemeClr val="accent2"/>
+          </a:lnRef>
+          <a:fillRef idx="3">
+            <a:schemeClr val="accent2"/>
+          </a:fillRef>
+          <a:effectRef idx="3">
+            <a:schemeClr val="accent2"/>
+          </a:effectRef>
+          <a:fontRef idx="minor">
+            <a:schemeClr val="lt1"/>
+          </a:fontRef>
+        </p:style>
+        <p:txBody>
+          <a:bodyPr rtlCol="1" anchor="ctr"/>
+          <a:lstStyle/>
+          <a:p>
+            <a:pPr algn="ctr"/>
+            <a:r>
+              <a:rPr lang="he-IL" sz="2800" b="1" dirty="0" smtClean="0"/>
+              <a:t>עריכת פרטי התלמיד</a:t>
+            </a:r>
+            <a:endParaRPr lang="he-IL" sz="2800" b="1" dirty="0"/>
+          </a:p>
+        </p:txBody>
+      </p:sp>
+    </p:spTree>
+  </p:cSld>
+  <p:clrMapOvr>
+    <a:masterClrMapping/>
+  </p:clrMapOvr>
+</p:sld>
+</file>
+
+<file path=ppt/slides/slide28.xml><?xml version="1.0" encoding="utf-8"?>
+<p:sld xmlns:a="http://schemas.openxmlformats.org/drawingml/2006/main" xmlns:r="http://schemas.openxmlformats.org/officeDocument/2006/relationships" xmlns:p="http://schemas.openxmlformats.org/presentationml/2006/main">
+  <p:cSld>
+    <p:spTree>
+      <p:nvGrpSpPr>
+        <p:cNvPr id="1" name=""/>
+        <p:cNvGrpSpPr/>
+        <p:nvPr/>
+      </p:nvGrpSpPr>
+      <p:grpSpPr>
+        <a:xfrm>
+          <a:off x="0" y="0"/>
+          <a:ext cx="0" cy="0"/>
+          <a:chOff x="0" y="0"/>
+          <a:chExt cx="0" cy="0"/>
+        </a:xfrm>
+      </p:grpSpPr>
+      <p:pic>
+        <p:nvPicPr>
+          <p:cNvPr id="4" name="Picture 3" descr="1a.png"/>
+          <p:cNvPicPr>
+            <a:picLocks noChangeAspect="1"/>
+          </p:cNvPicPr>
+          <p:nvPr/>
+        </p:nvPicPr>
+        <p:blipFill>
+          <a:blip r:embed="rId2" cstate="print"/>
+          <a:stretch>
+            <a:fillRect/>
+          </a:stretch>
+        </p:blipFill>
+        <p:spPr>
+          <a:xfrm>
+            <a:off x="2438400" y="0"/>
+            <a:ext cx="4762500" cy="2743200"/>
+          </a:xfrm>
+          <a:prstGeom prst="rect">
+            <a:avLst/>
+          </a:prstGeom>
+        </p:spPr>
+      </p:pic>
+      <p:sp>
+        <p:nvSpPr>
+          <p:cNvPr id="7" name="Rounded Rectangle 6"/>
+          <p:cNvSpPr/>
+          <p:nvPr/>
+        </p:nvSpPr>
+        <p:spPr>
+          <a:xfrm>
+            <a:off x="3048000" y="2286000"/>
+            <a:ext cx="2895600" cy="609600"/>
+          </a:xfrm>
+          <a:prstGeom prst="roundRect">
+            <a:avLst/>
+          </a:prstGeom>
+        </p:spPr>
+        <p:style>
+          <a:lnRef idx="3">
+            <a:schemeClr val="lt1"/>
+          </a:lnRef>
+          <a:fillRef idx="1">
+            <a:schemeClr val="accent3"/>
+          </a:fillRef>
+          <a:effectRef idx="1">
+            <a:schemeClr val="accent3"/>
+          </a:effectRef>
+          <a:fontRef idx="minor">
+            <a:schemeClr val="lt1"/>
+          </a:fontRef>
+        </p:style>
+        <p:txBody>
+          <a:bodyPr rtlCol="1" anchor="ctr"/>
+          <a:lstStyle/>
+          <a:p>
+            <a:pPr algn="ctr"/>
+            <a:r>
+              <a:rPr lang="he-IL" sz="2800" b="1" dirty="0" smtClean="0"/>
+              <a:t>תלמיד א'</a:t>
+            </a:r>
+            <a:endParaRPr lang="he-IL" sz="2800" b="1" dirty="0"/>
+          </a:p>
+        </p:txBody>
+      </p:sp>
+      <p:sp>
+        <p:nvSpPr>
+          <p:cNvPr id="11" name="Rounded Rectangle 10"/>
+          <p:cNvSpPr/>
+          <p:nvPr/>
+        </p:nvSpPr>
+        <p:spPr>
+          <a:xfrm>
+            <a:off x="152400" y="152400"/>
+            <a:ext cx="1371600" cy="457200"/>
+          </a:xfrm>
+          <a:prstGeom prst="roundRect">
+            <a:avLst/>
+          </a:prstGeom>
+        </p:spPr>
+        <p:style>
+          <a:lnRef idx="0">
+            <a:schemeClr val="accent2"/>
+          </a:lnRef>
+          <a:fillRef idx="3">
+            <a:schemeClr val="accent2"/>
+          </a:fillRef>
+          <a:effectRef idx="3">
+            <a:schemeClr val="accent2"/>
+          </a:effectRef>
+          <a:fontRef idx="minor">
+            <a:schemeClr val="lt1"/>
+          </a:fontRef>
+        </p:style>
+        <p:txBody>
+          <a:bodyPr rtlCol="1" anchor="ctr"/>
+          <a:lstStyle/>
+          <a:p>
+            <a:pPr algn="ctr"/>
+            <a:r>
+              <a:rPr lang="he-IL" sz="2000" b="1" dirty="0" smtClean="0"/>
+              <a:t>התנתק</a:t>
+            </a:r>
+            <a:endParaRPr lang="he-IL" sz="2000" b="1" dirty="0"/>
+          </a:p>
+        </p:txBody>
+      </p:sp>
+      <p:sp>
+        <p:nvSpPr>
+          <p:cNvPr id="12" name="Right Arrow 11"/>
+          <p:cNvSpPr/>
+          <p:nvPr/>
+        </p:nvSpPr>
+        <p:spPr>
+          <a:xfrm>
+            <a:off x="7924800" y="381000"/>
+            <a:ext cx="1143000" cy="762000"/>
+          </a:xfrm>
+          <a:prstGeom prst="rightArrow">
+            <a:avLst/>
+          </a:prstGeom>
+        </p:spPr>
+        <p:style>
+          <a:lnRef idx="0">
+            <a:schemeClr val="accent2"/>
+          </a:lnRef>
+          <a:fillRef idx="3">
+            <a:schemeClr val="accent2"/>
+          </a:fillRef>
+          <a:effectRef idx="3">
+            <a:schemeClr val="accent2"/>
+          </a:effectRef>
+          <a:fontRef idx="minor">
+            <a:schemeClr val="lt1"/>
+          </a:fontRef>
+        </p:style>
+        <p:txBody>
+          <a:bodyPr rtlCol="1" anchor="ctr"/>
+          <a:lstStyle/>
+          <a:p>
+            <a:pPr algn="ctr"/>
+            <a:r>
+              <a:rPr lang="he-IL" b="1" dirty="0" smtClean="0"/>
+              <a:t>חזור</a:t>
+            </a:r>
+            <a:endParaRPr lang="he-IL" b="1" dirty="0"/>
+          </a:p>
+        </p:txBody>
+      </p:sp>
+      <p:sp>
+        <p:nvSpPr>
+          <p:cNvPr id="15" name="Rounded Rectangle 14"/>
+          <p:cNvSpPr/>
+          <p:nvPr/>
+        </p:nvSpPr>
+        <p:spPr>
+          <a:xfrm>
+            <a:off x="2819400" y="4114800"/>
+            <a:ext cx="3352800" cy="609600"/>
+          </a:xfrm>
+          <a:prstGeom prst="roundRect">
+            <a:avLst/>
+          </a:prstGeom>
+        </p:spPr>
+        <p:style>
+          <a:lnRef idx="2">
+            <a:schemeClr val="accent6">
+              <a:shade val="50000"/>
+            </a:schemeClr>
+          </a:lnRef>
+          <a:fillRef idx="1">
+            <a:schemeClr val="accent6"/>
+          </a:fillRef>
+          <a:effectRef idx="0">
+            <a:schemeClr val="accent6"/>
+          </a:effectRef>
+          <a:fontRef idx="minor">
+            <a:schemeClr val="lt1"/>
+          </a:fontRef>
+        </p:style>
+        <p:txBody>
+          <a:bodyPr rtlCol="1" anchor="ctr"/>
+          <a:lstStyle/>
+          <a:p>
+            <a:pPr algn="ctr"/>
+            <a:r>
+              <a:rPr lang="he-IL" sz="2800" b="1" dirty="0" smtClean="0"/>
+              <a:t>שנה כיתה</a:t>
+            </a:r>
+            <a:endParaRPr lang="he-IL" sz="2800" b="1" dirty="0"/>
+          </a:p>
+        </p:txBody>
+      </p:sp>
+      <p:sp>
+        <p:nvSpPr>
+          <p:cNvPr id="13" name="Rounded Rectangle 12"/>
+          <p:cNvSpPr/>
+          <p:nvPr/>
+        </p:nvSpPr>
+        <p:spPr>
+          <a:xfrm>
+            <a:off x="2819400" y="2895600"/>
+            <a:ext cx="3352800" cy="609600"/>
+          </a:xfrm>
+          <a:prstGeom prst="roundRect">
+            <a:avLst/>
+          </a:prstGeom>
+        </p:spPr>
+        <p:style>
+          <a:lnRef idx="0">
+            <a:schemeClr val="accent2"/>
+          </a:lnRef>
+          <a:fillRef idx="3">
+            <a:schemeClr val="accent2"/>
+          </a:fillRef>
+          <a:effectRef idx="3">
+            <a:schemeClr val="accent2"/>
+          </a:effectRef>
+          <a:fontRef idx="minor">
+            <a:schemeClr val="lt1"/>
+          </a:fontRef>
+        </p:style>
+        <p:txBody>
+          <a:bodyPr rtlCol="1" anchor="ctr"/>
+          <a:lstStyle/>
+          <a:p>
+            <a:pPr algn="ctr"/>
+            <a:r>
+              <a:rPr lang="he-IL" sz="2800" b="1" dirty="0" smtClean="0"/>
+              <a:t>עריכת פרטי התלמיד</a:t>
+            </a:r>
+            <a:endParaRPr lang="he-IL" sz="2800" b="1" dirty="0"/>
           </a:p>
         </p:txBody>
       </p:sp>
